--- a/gServ.pptx
+++ b/gServ.pptx
@@ -8,24 +8,24 @@
     <p:sldId id="256" r:id="rId2"/>
     <p:sldId id="259" r:id="rId3"/>
     <p:sldId id="276" r:id="rId4"/>
-    <p:sldId id="277" r:id="rId5"/>
-    <p:sldId id="257" r:id="rId6"/>
-    <p:sldId id="258" r:id="rId7"/>
-    <p:sldId id="275" r:id="rId8"/>
-    <p:sldId id="260" r:id="rId9"/>
-    <p:sldId id="261" r:id="rId10"/>
-    <p:sldId id="265" r:id="rId11"/>
-    <p:sldId id="267" r:id="rId12"/>
-    <p:sldId id="266" r:id="rId13"/>
-    <p:sldId id="268" r:id="rId14"/>
-    <p:sldId id="269" r:id="rId15"/>
-    <p:sldId id="262" r:id="rId16"/>
-    <p:sldId id="263" r:id="rId17"/>
-    <p:sldId id="264" r:id="rId18"/>
+    <p:sldId id="275" r:id="rId5"/>
+    <p:sldId id="277" r:id="rId6"/>
+    <p:sldId id="278" r:id="rId7"/>
+    <p:sldId id="260" r:id="rId8"/>
+    <p:sldId id="268" r:id="rId9"/>
+    <p:sldId id="282" r:id="rId10"/>
+    <p:sldId id="281" r:id="rId11"/>
+    <p:sldId id="262" r:id="rId12"/>
+    <p:sldId id="263" r:id="rId13"/>
+    <p:sldId id="264" r:id="rId14"/>
+    <p:sldId id="265" r:id="rId15"/>
+    <p:sldId id="280" r:id="rId16"/>
+    <p:sldId id="274" r:id="rId17"/>
+    <p:sldId id="279" r:id="rId18"/>
     <p:sldId id="271" r:id="rId19"/>
     <p:sldId id="273" r:id="rId20"/>
-    <p:sldId id="274" r:id="rId21"/>
-    <p:sldId id="272" r:id="rId22"/>
+    <p:sldId id="272" r:id="rId21"/>
+    <p:sldId id="258" r:id="rId22"/>
   </p:sldIdLst>
   <p:sldSz cx="12192000" cy="6858000"/>
   <p:notesSz cx="7010400" cy="9296400"/>
@@ -124,6 +124,11 @@
       </a:defRPr>
     </a:lvl9pPr>
   </p:defaultTextStyle>
+  <p:extLst>
+    <p:ext uri="{EFAFB233-063F-42B5-8137-9DF3F51BA10A}">
+      <p15:sldGuideLst xmlns:p15="http://schemas.microsoft.com/office/powerpoint/2012/main"/>
+    </p:ext>
+  </p:extLst>
 </p:presentation>
 </file>
 
@@ -313,7 +318,7 @@
           <a:p>
             <a:fld id="{4AAD347D-5ACD-4C99-B74B-A9C85AD731AF}" type="datetimeFigureOut">
               <a:rPr lang="en-US" dirty="0"/>
-              <a:t>1/28/2015</a:t>
+              <a:t>5/21/2015</a:t>
             </a:fld>
             <a:endParaRPr lang="en-US" dirty="0"/>
           </a:p>
@@ -583,7 +588,7 @@
           <a:p>
             <a:fld id="{4509A250-FF31-4206-8172-F9D3106AACB1}" type="datetimeFigureOut">
               <a:rPr lang="en-US" dirty="0"/>
-              <a:t>1/28/2015</a:t>
+              <a:t>5/21/2015</a:t>
             </a:fld>
             <a:endParaRPr lang="en-US" dirty="0"/>
           </a:p>
@@ -772,7 +777,7 @@
           <a:p>
             <a:fld id="{4509A250-FF31-4206-8172-F9D3106AACB1}" type="datetimeFigureOut">
               <a:rPr lang="en-US" dirty="0"/>
-              <a:t>1/28/2015</a:t>
+              <a:t>5/21/2015</a:t>
             </a:fld>
             <a:endParaRPr lang="en-US" dirty="0"/>
           </a:p>
@@ -1040,7 +1045,7 @@
           <a:p>
             <a:fld id="{4509A250-FF31-4206-8172-F9D3106AACB1}" type="datetimeFigureOut">
               <a:rPr lang="en-US" dirty="0"/>
-              <a:t>1/28/2015</a:t>
+              <a:t>5/21/2015</a:t>
             </a:fld>
             <a:endParaRPr lang="en-US" dirty="0"/>
           </a:p>
@@ -1376,7 +1381,7 @@
           <a:p>
             <a:fld id="{4509A250-FF31-4206-8172-F9D3106AACB1}" type="datetimeFigureOut">
               <a:rPr lang="en-US" dirty="0"/>
-              <a:t>1/28/2015</a:t>
+              <a:t>5/21/2015</a:t>
             </a:fld>
             <a:endParaRPr lang="en-US" dirty="0"/>
           </a:p>
@@ -1994,7 +1999,7 @@
           <a:p>
             <a:fld id="{4509A250-FF31-4206-8172-F9D3106AACB1}" type="datetimeFigureOut">
               <a:rPr lang="en-US" dirty="0"/>
-              <a:t>1/28/2015</a:t>
+              <a:t>5/21/2015</a:t>
             </a:fld>
             <a:endParaRPr lang="en-US" dirty="0"/>
           </a:p>
@@ -2849,7 +2854,7 @@
           <a:p>
             <a:fld id="{4509A250-FF31-4206-8172-F9D3106AACB1}" type="datetimeFigureOut">
               <a:rPr lang="en-US" dirty="0"/>
-              <a:t>1/28/2015</a:t>
+              <a:t>5/21/2015</a:t>
             </a:fld>
             <a:endParaRPr lang="en-US" dirty="0"/>
           </a:p>
@@ -3014,7 +3019,7 @@
           <a:p>
             <a:fld id="{4509A250-FF31-4206-8172-F9D3106AACB1}" type="datetimeFigureOut">
               <a:rPr lang="en-US" dirty="0"/>
-              <a:t>1/28/2015</a:t>
+              <a:t>5/21/2015</a:t>
             </a:fld>
             <a:endParaRPr lang="en-US" dirty="0"/>
           </a:p>
@@ -3189,7 +3194,7 @@
           <a:p>
             <a:fld id="{4509A250-FF31-4206-8172-F9D3106AACB1}" type="datetimeFigureOut">
               <a:rPr lang="en-US" dirty="0"/>
-              <a:t>1/28/2015</a:t>
+              <a:t>5/21/2015</a:t>
             </a:fld>
             <a:endParaRPr lang="en-US" dirty="0"/>
           </a:p>
@@ -3354,7 +3359,7 @@
           <a:p>
             <a:fld id="{4509A250-FF31-4206-8172-F9D3106AACB1}" type="datetimeFigureOut">
               <a:rPr lang="en-US" dirty="0"/>
-              <a:t>1/28/2015</a:t>
+              <a:t>5/21/2015</a:t>
             </a:fld>
             <a:endParaRPr lang="en-US" dirty="0"/>
           </a:p>
@@ -3596,7 +3601,7 @@
           <a:p>
             <a:fld id="{9796027F-7875-4030-9381-8BD8C4F21935}" type="datetimeFigureOut">
               <a:rPr lang="en-US" dirty="0"/>
-              <a:t>1/28/2015</a:t>
+              <a:t>5/21/2015</a:t>
             </a:fld>
             <a:endParaRPr lang="en-US" dirty="0"/>
           </a:p>
@@ -3883,7 +3888,7 @@
           <a:p>
             <a:fld id="{9796027F-7875-4030-9381-8BD8C4F21935}" type="datetimeFigureOut">
               <a:rPr lang="en-US" dirty="0"/>
-              <a:t>1/28/2015</a:t>
+              <a:t>5/21/2015</a:t>
             </a:fld>
             <a:endParaRPr lang="en-US" dirty="0"/>
           </a:p>
@@ -4322,7 +4327,7 @@
           <a:p>
             <a:fld id="{9796027F-7875-4030-9381-8BD8C4F21935}" type="datetimeFigureOut">
               <a:rPr lang="en-US" dirty="0"/>
-              <a:t>1/28/2015</a:t>
+              <a:t>5/21/2015</a:t>
             </a:fld>
             <a:endParaRPr lang="en-US" dirty="0"/>
           </a:p>
@@ -4435,7 +4440,7 @@
           <a:p>
             <a:fld id="{4509A250-FF31-4206-8172-F9D3106AACB1}" type="datetimeFigureOut">
               <a:rPr lang="en-US" dirty="0"/>
-              <a:t>1/28/2015</a:t>
+              <a:t>5/21/2015</a:t>
             </a:fld>
             <a:endParaRPr lang="en-US" dirty="0"/>
           </a:p>
@@ -4525,7 +4530,7 @@
           <a:p>
             <a:fld id="{4509A250-FF31-4206-8172-F9D3106AACB1}" type="datetimeFigureOut">
               <a:rPr lang="en-US" dirty="0"/>
-              <a:t>1/28/2015</a:t>
+              <a:t>5/21/2015</a:t>
             </a:fld>
             <a:endParaRPr lang="en-US" dirty="0"/>
           </a:p>
@@ -4799,7 +4804,7 @@
           <a:p>
             <a:fld id="{4509A250-FF31-4206-8172-F9D3106AACB1}" type="datetimeFigureOut">
               <a:rPr lang="en-US" dirty="0"/>
-              <a:t>1/28/2015</a:t>
+              <a:t>5/21/2015</a:t>
             </a:fld>
             <a:endParaRPr lang="en-US" dirty="0"/>
           </a:p>
@@ -5069,7 +5074,7 @@
           <a:p>
             <a:fld id="{4509A250-FF31-4206-8172-F9D3106AACB1}" type="datetimeFigureOut">
               <a:rPr lang="en-US" dirty="0"/>
-              <a:t>1/28/2015</a:t>
+              <a:t>5/21/2015</a:t>
             </a:fld>
             <a:endParaRPr lang="en-US" dirty="0"/>
           </a:p>
@@ -5493,7 +5498,7 @@
           <a:p>
             <a:fld id="{4AAD347D-5ACD-4C99-B74B-A9C85AD731AF}" type="datetimeFigureOut">
               <a:rPr lang="en-US" dirty="0"/>
-              <a:t>1/28/2015</a:t>
+              <a:t>5/21/2015</a:t>
             </a:fld>
             <a:endParaRPr lang="en-US" dirty="0"/>
           </a:p>
@@ -6115,8 +6120,8 @@
               <a:rPr lang="en-US" dirty="0" smtClean="0"/>
             </a:br>
             <a:r>
-              <a:rPr lang="en-US" dirty="0" smtClean="0"/>
-              <a:t>URL Action Mapping</a:t>
+              <a:rPr lang="en-US" dirty="0"/>
+              <a:t>Services (Server Instances)</a:t>
             </a:r>
             <a:endParaRPr lang="en-US" dirty="0"/>
           </a:p>
@@ -6137,57 +6142,98 @@
           <a:bodyPr/>
           <a:lstStyle/>
           <a:p>
-            <a:r>
-              <a:rPr lang="en-US" dirty="0" smtClean="0"/>
-              <a:t>Matching Static URIs</a:t>
-            </a:r>
-          </a:p>
-          <a:p>
-            <a:pPr marL="457200" lvl="1" indent="0">
-              <a:buNone/>
-            </a:pPr>
-            <a:endParaRPr lang="en-US" dirty="0"/>
-          </a:p>
-          <a:p>
-            <a:pPr marL="457200" lvl="1" indent="0">
-              <a:buNone/>
-            </a:pPr>
-            <a:r>
-              <a:rPr lang="en-US" dirty="0"/>
-              <a:t>g</a:t>
-            </a:r>
-            <a:r>
-              <a:rPr lang="en-US" dirty="0" smtClean="0"/>
-              <a:t>et(‘/info’){</a:t>
-            </a:r>
-          </a:p>
-          <a:p>
-            <a:pPr marL="457200" lvl="1" indent="0">
-              <a:buNone/>
-            </a:pPr>
-            <a:endParaRPr lang="en-US" dirty="0"/>
-          </a:p>
-          <a:p>
-            <a:pPr marL="457200" lvl="1" indent="0">
-              <a:buNone/>
-            </a:pPr>
-            <a:r>
-              <a:rPr lang="en-US" dirty="0" smtClean="0"/>
-              <a:t>}</a:t>
-            </a:r>
+            <a:pPr lvl="1"/>
+            <a:r>
+              <a:rPr lang="en-US" dirty="0" err="1" smtClean="0"/>
+              <a:t>static_roots</a:t>
+            </a:r>
+            <a:r>
+              <a:rPr lang="en-US" dirty="0" smtClean="0"/>
+              <a:t>(</a:t>
+            </a:r>
+            <a:r>
+              <a:rPr lang="en-US" dirty="0" err="1" smtClean="0"/>
+              <a:t>dir</a:t>
+            </a:r>
+            <a:r>
+              <a:rPr lang="en-US" dirty="0" smtClean="0"/>
+              <a:t>) - used to specify a </a:t>
+            </a:r>
+            <a:r>
+              <a:rPr lang="en-US" dirty="0" err="1" smtClean="0"/>
+              <a:t>dir</a:t>
+            </a:r>
+            <a:r>
+              <a:rPr lang="en-US" dirty="0" smtClean="0"/>
+              <a:t> containing static files.</a:t>
+            </a:r>
+          </a:p>
+          <a:p>
+            <a:pPr lvl="1"/>
+            <a:r>
+              <a:rPr lang="en-US" dirty="0" err="1" smtClean="0"/>
+              <a:t>useResourceDocs</a:t>
+            </a:r>
+            <a:r>
+              <a:rPr lang="en-US" dirty="0" smtClean="0"/>
+              <a:t>(Boolean) – when set to </a:t>
+            </a:r>
+            <a:r>
+              <a:rPr lang="en-US" i="1" dirty="0" smtClean="0"/>
+              <a:t>true</a:t>
+            </a:r>
+            <a:r>
+              <a:rPr lang="en-US" dirty="0" smtClean="0"/>
+              <a:t>, gServ will look on the </a:t>
+            </a:r>
+            <a:r>
+              <a:rPr lang="en-US" dirty="0" err="1" smtClean="0"/>
+              <a:t>classpath</a:t>
+            </a:r>
+            <a:r>
+              <a:rPr lang="en-US" dirty="0" smtClean="0"/>
+              <a:t> for files in a directory called ‘docs’. </a:t>
+            </a:r>
+          </a:p>
+          <a:p>
+            <a:pPr lvl="1"/>
+            <a:r>
+              <a:rPr lang="en-US" dirty="0" err="1" smtClean="0"/>
+              <a:t>defaultResource</a:t>
+            </a:r>
+            <a:r>
+              <a:rPr lang="en-US" dirty="0" smtClean="0"/>
+              <a:t>( </a:t>
+            </a:r>
+            <a:r>
+              <a:rPr lang="en-US" dirty="0" err="1" smtClean="0"/>
+              <a:t>filePath</a:t>
+            </a:r>
+            <a:r>
+              <a:rPr lang="en-US" dirty="0" smtClean="0"/>
+              <a:t> ) – the file to return when no file is specified and no action is matched.</a:t>
+            </a:r>
+            <a:endParaRPr lang="en-US" dirty="0"/>
           </a:p>
         </p:txBody>
       </p:sp>
     </p:spTree>
     <p:extLst>
       <p:ext uri="{BB962C8B-B14F-4D97-AF65-F5344CB8AC3E}">
-        <p14:creationId xmlns:p14="http://schemas.microsoft.com/office/powerpoint/2010/main" val="2789437907"/>
+        <p14:creationId xmlns:p14="http://schemas.microsoft.com/office/powerpoint/2010/main" val="1356144290"/>
       </p:ext>
     </p:extLst>
   </p:cSld>
   <p:clrMapOvr>
     <a:masterClrMapping/>
   </p:clrMapOvr>
+  <p:timing>
+    <p:tnLst>
+      <p:par>
+        <p:cTn id="1" dur="indefinite" restart="never" nodeType="tmRoot"/>
+      </p:par>
+    </p:tnLst>
+  </p:timing>
 </p:sld>
 </file>
 
@@ -6232,7 +6278,7 @@
             </a:br>
             <a:r>
               <a:rPr lang="en-US" dirty="0" smtClean="0"/>
-              <a:t>URL Action Mapping</a:t>
+              <a:t>Filters: Before &amp; After</a:t>
             </a:r>
             <a:endParaRPr lang="en-US" dirty="0"/>
           </a:p>
@@ -6254,92 +6300,85 @@
           <a:lstStyle/>
           <a:p>
             <a:r>
-              <a:rPr lang="en-US" dirty="0" smtClean="0"/>
-              <a:t>URI w/ Variables</a:t>
-            </a:r>
-          </a:p>
-          <a:p>
-            <a:pPr marL="0" indent="0">
-              <a:buNone/>
-            </a:pPr>
-            <a:r>
-              <a:rPr lang="en-US" dirty="0"/>
-              <a:t>	</a:t>
-            </a:r>
-            <a:r>
-              <a:rPr lang="en-US" dirty="0" smtClean="0"/>
-              <a:t>resource(‘/books’){</a:t>
-            </a:r>
-          </a:p>
-          <a:p>
-            <a:pPr marL="0" indent="0">
-              <a:buNone/>
-            </a:pPr>
-            <a:r>
-              <a:rPr lang="en-US" dirty="0" smtClean="0"/>
-              <a:t>		get (“/:id”) { id -&gt;	</a:t>
-            </a:r>
-          </a:p>
-          <a:p>
-            <a:pPr marL="0" indent="0">
-              <a:buNone/>
-            </a:pPr>
-            <a:r>
-              <a:rPr lang="en-US" dirty="0" smtClean="0"/>
-              <a:t>		}</a:t>
-            </a:r>
-          </a:p>
-          <a:p>
-            <a:pPr marL="0" indent="0">
-              <a:buNone/>
-            </a:pPr>
-            <a:r>
-              <a:rPr lang="en-US" dirty="0"/>
-              <a:t>	</a:t>
-            </a:r>
-            <a:r>
-              <a:rPr lang="en-US" dirty="0" smtClean="0"/>
-              <a:t>	put(‘/:id’){ </a:t>
-            </a:r>
-            <a:r>
-              <a:rPr lang="en-US" dirty="0" err="1" smtClean="0"/>
-              <a:t>inputStream</a:t>
-            </a:r>
-            <a:r>
-              <a:rPr lang="en-US" dirty="0" smtClean="0"/>
-              <a:t>, id -&gt;</a:t>
-            </a:r>
-          </a:p>
-          <a:p>
-            <a:pPr marL="0" indent="0">
-              <a:buNone/>
-            </a:pPr>
-            <a:r>
-              <a:rPr lang="en-US" dirty="0" smtClean="0"/>
-              <a:t>		}</a:t>
-            </a:r>
-          </a:p>
-          <a:p>
-            <a:pPr marL="0" indent="0">
-              <a:buNone/>
-            </a:pPr>
-            <a:r>
-              <a:rPr lang="en-US" dirty="0" smtClean="0"/>
-              <a:t>	}</a:t>
-            </a:r>
-          </a:p>
-          <a:p>
-            <a:pPr marL="0" indent="0">
-              <a:buNone/>
-            </a:pPr>
-            <a:endParaRPr lang="en-US" dirty="0"/>
+              <a:rPr lang="en-US" dirty="0"/>
+              <a:t>In the g</a:t>
+            </a:r>
+            <a:r>
+              <a:rPr lang="en-US" dirty="0" smtClean="0"/>
+              <a:t>Serv Configuration </a:t>
+            </a:r>
+            <a:r>
+              <a:rPr lang="en-US" dirty="0"/>
+              <a:t>you can define filters. </a:t>
+            </a:r>
+            <a:r>
+              <a:rPr lang="en-US" dirty="0" smtClean="0"/>
+              <a:t>gServ </a:t>
+            </a:r>
+            <a:r>
+              <a:rPr lang="en-US" dirty="0"/>
+              <a:t>defines 2 kinds of filters: After and </a:t>
+            </a:r>
+            <a:r>
+              <a:rPr lang="en-US" dirty="0" smtClean="0"/>
+              <a:t>Before</a:t>
+            </a:r>
+            <a:endParaRPr lang="en-US" dirty="0"/>
+          </a:p>
+          <a:p>
+            <a:r>
+              <a:rPr lang="en-US" dirty="0" smtClean="0"/>
+              <a:t>Before-filters </a:t>
+            </a:r>
+            <a:r>
+              <a:rPr lang="en-US" dirty="0"/>
+              <a:t>are called </a:t>
+            </a:r>
+            <a:r>
+              <a:rPr lang="en-US" b="1" dirty="0"/>
+              <a:t>before</a:t>
+            </a:r>
+            <a:r>
+              <a:rPr lang="en-US" dirty="0"/>
+              <a:t> the Action code is called</a:t>
+            </a:r>
+            <a:r>
+              <a:rPr lang="en-US" dirty="0" smtClean="0"/>
+              <a:t>.</a:t>
+            </a:r>
+          </a:p>
+          <a:p>
+            <a:r>
+              <a:rPr lang="en-US" dirty="0" smtClean="0"/>
+              <a:t>After-filters </a:t>
+            </a:r>
+            <a:r>
+              <a:rPr lang="en-US" dirty="0"/>
+              <a:t>are called </a:t>
+            </a:r>
+            <a:r>
+              <a:rPr lang="en-US" b="1" dirty="0"/>
+              <a:t>after</a:t>
+            </a:r>
+            <a:r>
+              <a:rPr lang="en-US" dirty="0"/>
+              <a:t> the Action code is called </a:t>
+            </a:r>
+            <a:endParaRPr lang="en-US" dirty="0" smtClean="0"/>
+          </a:p>
+          <a:p>
+            <a:r>
+              <a:rPr lang="en-US" dirty="0" smtClean="0"/>
+              <a:t>Filters can modify the Action’s  input/output.</a:t>
+            </a:r>
+            <a:endParaRPr lang="en-US" b="1" dirty="0"/>
           </a:p>
         </p:txBody>
       </p:sp>
     </p:spTree>
     <p:extLst>
       <p:ext uri="{BB962C8B-B14F-4D97-AF65-F5344CB8AC3E}">
-        <p14:creationId xmlns:p14="http://schemas.microsoft.com/office/powerpoint/2010/main" val="2799399893"/>
+        <p14:creationId xmlns:p14="http://schemas.microsoft.com/office/powerpoint/2010/main" val="2815898819"/>
       </p:ext>
     </p:extLst>
   </p:cSld>
@@ -6397,15 +6436,15 @@
             </a:br>
             <a:r>
               <a:rPr lang="en-US" dirty="0" smtClean="0"/>
-              <a:t>URL Action Mapping</a:t>
-            </a:r>
-            <a:endParaRPr lang="en-US" dirty="0"/>
-          </a:p>
-        </p:txBody>
-      </p:sp>
-      <p:sp>
-        <p:nvSpPr>
-          <p:cNvPr id="3" name="Content Placeholder 2"/>
+              <a:t>“Before” Filters</a:t>
+            </a:r>
+            <a:endParaRPr lang="en-US" dirty="0"/>
+          </a:p>
+        </p:txBody>
+      </p:sp>
+      <p:sp>
+        <p:nvSpPr>
+          <p:cNvPr id="13" name="Content Placeholder 12"/>
           <p:cNvSpPr>
             <a:spLocks noGrp="1"/>
           </p:cNvSpPr>
@@ -6416,48 +6455,61 @@
         <p:spPr/>
         <p:txBody>
           <a:bodyPr>
-            <a:normAutofit fontScale="77500" lnSpcReduction="20000"/>
+            <a:normAutofit/>
           </a:bodyPr>
           <a:lstStyle/>
           <a:p>
-            <a:r>
-              <a:rPr lang="en-US" dirty="0" smtClean="0"/>
-              <a:t>URI w/ Variables and types</a:t>
-            </a:r>
-          </a:p>
-          <a:p>
             <a:pPr marL="0" indent="0">
               <a:buNone/>
             </a:pPr>
             <a:r>
-              <a:rPr lang="en-US" dirty="0"/>
-              <a:t>	resource</a:t>
-            </a:r>
-            <a:r>
-              <a:rPr lang="en-US" dirty="0" smtClean="0"/>
-              <a:t>(‘/account’){</a:t>
-            </a:r>
-            <a:endParaRPr lang="en-US" dirty="0"/>
+              <a:rPr lang="en-US" sz="1600" dirty="0" err="1" smtClean="0"/>
+              <a:t>gServ.http</a:t>
+            </a:r>
+            <a:r>
+              <a:rPr lang="en-US" sz="1600" dirty="0" smtClean="0"/>
+              <a:t> </a:t>
+            </a:r>
+            <a:r>
+              <a:rPr lang="en-US" sz="1600" dirty="0" smtClean="0"/>
+              <a:t>{</a:t>
+            </a:r>
           </a:p>
           <a:p>
             <a:pPr marL="0" indent="0">
               <a:buNone/>
             </a:pPr>
             <a:r>
-              <a:rPr lang="en-US" dirty="0"/>
-              <a:t>		get (“/:</a:t>
-            </a:r>
-            <a:r>
-              <a:rPr lang="en-US" dirty="0" err="1" smtClean="0"/>
-              <a:t>id:Integer</a:t>
-            </a:r>
-            <a:r>
-              <a:rPr lang="en-US" dirty="0" smtClean="0"/>
-              <a:t>”) </a:t>
-            </a:r>
-            <a:r>
-              <a:rPr lang="en-US" dirty="0"/>
-              <a:t>{ id -&gt;	</a:t>
+              <a:rPr lang="en-US" sz="1600" dirty="0" smtClean="0"/>
+              <a:t>	</a:t>
+            </a:r>
+            <a:r>
+              <a:rPr lang="en-US" sz="1600" dirty="0" smtClean="0"/>
+              <a:t>get “/</a:t>
+            </a:r>
+            <a:r>
+              <a:rPr lang="en-US" sz="1600" dirty="0" smtClean="0"/>
+              <a:t>secured/:id/:</a:t>
+            </a:r>
+            <a:r>
+              <a:rPr lang="en-US" sz="1600" dirty="0" err="1" smtClean="0"/>
+              <a:t>userId</a:t>
+            </a:r>
+            <a:r>
+              <a:rPr lang="en-US" sz="1600" dirty="0" smtClean="0"/>
+              <a:t>”, {</a:t>
+            </a:r>
+            <a:r>
+              <a:rPr lang="en-US" sz="1600" dirty="0" smtClean="0"/>
+              <a:t>id, </a:t>
+            </a:r>
+            <a:r>
+              <a:rPr lang="en-US" sz="1600" dirty="0" err="1" smtClean="0"/>
+              <a:t>userId</a:t>
+            </a:r>
+            <a:r>
+              <a:rPr lang="en-US" sz="1600" dirty="0" smtClean="0"/>
+              <a:t> -&gt;</a:t>
             </a:r>
           </a:p>
           <a:p>
@@ -6465,207 +6517,187 @@
               <a:buNone/>
             </a:pPr>
             <a:r>
-              <a:rPr lang="en-US" dirty="0" smtClean="0"/>
-              <a:t>			assert (id </a:t>
-            </a:r>
-            <a:r>
-              <a:rPr lang="en-US" dirty="0" err="1" smtClean="0"/>
-              <a:t>instanceOf</a:t>
-            </a:r>
-            <a:r>
-              <a:rPr lang="en-US" dirty="0" smtClean="0"/>
-              <a:t> Long)</a:t>
-            </a:r>
+              <a:rPr lang="en-US" sz="1600" dirty="0" smtClean="0"/>
+              <a:t>	}</a:t>
+            </a:r>
+          </a:p>
+          <a:p>
+            <a:pPr marL="457200" lvl="1" indent="0">
+              <a:buNone/>
+            </a:pPr>
+            <a:r>
+              <a:rPr lang="en-US" sz="1600" dirty="0" smtClean="0"/>
+              <a:t>before </a:t>
+            </a:r>
+            <a:r>
+              <a:rPr lang="en-US" sz="1600" dirty="0" smtClean="0"/>
+              <a:t>‘</a:t>
+            </a:r>
+            <a:r>
+              <a:rPr lang="en-US" sz="1600" dirty="0" err="1" smtClean="0"/>
+              <a:t>securityFilter</a:t>
+            </a:r>
+            <a:r>
+              <a:rPr lang="en-US" sz="1600" dirty="0" smtClean="0"/>
+              <a:t>’, ‘/secured/*’, 	[‘PUT’,’POST</a:t>
+            </a:r>
+            <a:r>
+              <a:rPr lang="en-US" sz="1600" dirty="0"/>
+              <a:t>’], </a:t>
+            </a:r>
+            <a:r>
+              <a:rPr lang="en-US" sz="1600" dirty="0" smtClean="0"/>
+              <a:t>5</a:t>
+            </a:r>
+            <a:r>
+              <a:rPr lang="en-US" sz="1600" dirty="0" smtClean="0"/>
+              <a:t>, </a:t>
+            </a:r>
+            <a:r>
+              <a:rPr lang="en-US" sz="1600" dirty="0" err="1" smtClean="0"/>
+              <a:t>beforeFunction</a:t>
+            </a:r>
+            <a:endParaRPr lang="en-US" sz="1600" dirty="0"/>
           </a:p>
           <a:p>
             <a:pPr marL="0" indent="0">
               <a:buNone/>
             </a:pPr>
             <a:r>
-              <a:rPr lang="en-US" dirty="0"/>
-              <a:t>	</a:t>
-            </a:r>
-            <a:r>
-              <a:rPr lang="en-US" dirty="0" smtClean="0"/>
-              <a:t>		</a:t>
-            </a:r>
-            <a:r>
-              <a:rPr lang="en-US" dirty="0" err="1" smtClean="0"/>
-              <a:t>someService.findAccount</a:t>
-            </a:r>
-            <a:r>
-              <a:rPr lang="en-US" dirty="0" smtClean="0"/>
-              <a:t>(id)</a:t>
-            </a:r>
+              <a:rPr lang="en-US" sz="1600" dirty="0" smtClean="0"/>
+              <a:t>}</a:t>
+            </a:r>
+          </a:p>
+          <a:p>
+            <a:r>
+              <a:rPr lang="en-US" sz="1600" dirty="0" smtClean="0"/>
+              <a:t>Filters may modify the request or return a response itself (without calling the Action)</a:t>
+            </a:r>
+            <a:endParaRPr lang="en-US" sz="1600" dirty="0"/>
+          </a:p>
+          <a:p>
+            <a:r>
+              <a:rPr lang="en-US" sz="1600" dirty="0"/>
+              <a:t>Before </a:t>
+            </a:r>
+            <a:r>
+              <a:rPr lang="en-US" sz="1600" dirty="0" smtClean="0"/>
+              <a:t>Function </a:t>
+            </a:r>
+            <a:r>
+              <a:rPr lang="en-US" sz="1600" dirty="0"/>
+              <a:t>Signature:</a:t>
+            </a:r>
+          </a:p>
+          <a:p>
+            <a:pPr lvl="1"/>
+            <a:r>
+              <a:rPr lang="en-US" sz="1600" dirty="0" err="1"/>
+              <a:t>RequestContext</a:t>
+            </a:r>
+            <a:r>
+              <a:rPr lang="en-US" sz="1600" dirty="0"/>
+              <a:t> </a:t>
+            </a:r>
+            <a:r>
+              <a:rPr lang="en-US" sz="1600" dirty="0" err="1"/>
+              <a:t>beforeFunction</a:t>
+            </a:r>
+            <a:r>
+              <a:rPr lang="en-US" sz="1600" dirty="0"/>
+              <a:t>(</a:t>
+            </a:r>
+            <a:r>
+              <a:rPr lang="en-US" sz="1600" dirty="0" err="1"/>
+              <a:t>RequestContext</a:t>
+            </a:r>
+            <a:r>
+              <a:rPr lang="en-US" sz="1600" dirty="0"/>
+              <a:t> context, List </a:t>
+            </a:r>
+            <a:r>
+              <a:rPr lang="en-US" sz="1600" dirty="0" err="1"/>
+              <a:t>actionVars</a:t>
+            </a:r>
+            <a:r>
+              <a:rPr lang="en-US" sz="1600" dirty="0" smtClean="0"/>
+              <a:t>)</a:t>
+            </a:r>
+            <a:endParaRPr lang="en-US" sz="1600" dirty="0"/>
           </a:p>
           <a:p>
             <a:pPr marL="0" indent="0">
               <a:buNone/>
             </a:pPr>
-            <a:r>
-              <a:rPr lang="en-US" dirty="0"/>
-              <a:t>		}</a:t>
-            </a:r>
-          </a:p>
-          <a:p>
-            <a:pPr marL="0" indent="0">
-              <a:buNone/>
-            </a:pPr>
-            <a:r>
-              <a:rPr lang="en-US" dirty="0"/>
-              <a:t>		put(‘/:</a:t>
-            </a:r>
-            <a:r>
-              <a:rPr lang="en-US" dirty="0" err="1" smtClean="0"/>
-              <a:t>id:Integer</a:t>
-            </a:r>
-            <a:r>
-              <a:rPr lang="en-US" dirty="0" smtClean="0"/>
-              <a:t>’) { instream, </a:t>
-            </a:r>
-            <a:r>
-              <a:rPr lang="en-US" dirty="0"/>
-              <a:t>id </a:t>
-            </a:r>
-            <a:r>
-              <a:rPr lang="en-US" dirty="0" smtClean="0"/>
-              <a:t>-&gt;</a:t>
-            </a:r>
-            <a:endParaRPr lang="en-US" dirty="0"/>
-          </a:p>
-          <a:p>
-            <a:pPr marL="0" indent="0">
-              <a:buNone/>
-            </a:pPr>
-            <a:r>
-              <a:rPr lang="en-US" dirty="0" smtClean="0"/>
-              <a:t>		def trans = </a:t>
-            </a:r>
-            <a:r>
-              <a:rPr lang="en-US" dirty="0" err="1" smtClean="0"/>
-              <a:t>to.json</a:t>
-            </a:r>
-            <a:r>
-              <a:rPr lang="en-US" dirty="0" smtClean="0"/>
-              <a:t>(</a:t>
-            </a:r>
-            <a:r>
-              <a:rPr lang="en-US" dirty="0" err="1" smtClean="0"/>
-              <a:t>inputStream</a:t>
-            </a:r>
-            <a:r>
-              <a:rPr lang="en-US" dirty="0" smtClean="0"/>
-              <a:t>)</a:t>
-            </a:r>
-          </a:p>
-          <a:p>
-            <a:pPr marL="0" indent="0">
-              <a:buNone/>
-            </a:pPr>
-            <a:r>
-              <a:rPr lang="en-US" dirty="0"/>
-              <a:t>	</a:t>
-            </a:r>
-            <a:r>
-              <a:rPr lang="en-US" dirty="0" smtClean="0"/>
-              <a:t>	def </a:t>
-            </a:r>
-            <a:r>
-              <a:rPr lang="en-US" dirty="0" err="1" smtClean="0"/>
-              <a:t>resp</a:t>
-            </a:r>
-            <a:r>
-              <a:rPr lang="en-US" dirty="0" smtClean="0"/>
-              <a:t> = </a:t>
-            </a:r>
-            <a:r>
-              <a:rPr lang="en-US" dirty="0" err="1" smtClean="0"/>
-              <a:t>someService.saveTransaction</a:t>
-            </a:r>
-            <a:r>
-              <a:rPr lang="en-US" dirty="0" smtClean="0"/>
-              <a:t>(trans)</a:t>
-            </a:r>
-          </a:p>
-          <a:p>
-            <a:pPr marL="0" indent="0">
-              <a:buNone/>
-            </a:pPr>
-            <a:r>
-              <a:rPr lang="en-US" dirty="0"/>
-              <a:t>	</a:t>
-            </a:r>
-            <a:r>
-              <a:rPr lang="en-US" dirty="0" smtClean="0"/>
-              <a:t>	</a:t>
-            </a:r>
-            <a:r>
-              <a:rPr lang="en-US" dirty="0" err="1" smtClean="0"/>
-              <a:t>writeJson</a:t>
-            </a:r>
-            <a:r>
-              <a:rPr lang="en-US" dirty="0" smtClean="0"/>
-              <a:t> ( </a:t>
-            </a:r>
-            <a:r>
-              <a:rPr lang="en-US" dirty="0" err="1" smtClean="0"/>
-              <a:t>resp</a:t>
-            </a:r>
-            <a:r>
-              <a:rPr lang="en-US" dirty="0" smtClean="0"/>
-              <a:t> )</a:t>
-            </a:r>
-            <a:endParaRPr lang="en-US" dirty="0"/>
-          </a:p>
-          <a:p>
-            <a:pPr marL="0" indent="0">
-              <a:buNone/>
-            </a:pPr>
-            <a:r>
-              <a:rPr lang="en-US" dirty="0"/>
-              <a:t>		</a:t>
-            </a:r>
-            <a:r>
-              <a:rPr lang="en-US" dirty="0" smtClean="0"/>
-              <a:t>}</a:t>
-            </a:r>
-          </a:p>
-          <a:p>
-            <a:pPr marL="0" indent="0">
-              <a:buNone/>
-            </a:pPr>
-            <a:r>
-              <a:rPr lang="en-US" dirty="0"/>
-              <a:t>		</a:t>
-            </a:r>
-          </a:p>
-          <a:p>
-            <a:pPr marL="0" indent="0">
-              <a:buNone/>
-            </a:pPr>
-            <a:r>
-              <a:rPr lang="en-US" dirty="0"/>
-              <a:t>	}</a:t>
-            </a:r>
-          </a:p>
-          <a:p>
-            <a:pPr marL="0" indent="0">
-              <a:buNone/>
-            </a:pPr>
-            <a:endParaRPr lang="en-US" dirty="0"/>
+            <a:endParaRPr lang="en-US" sz="1800" dirty="0" smtClean="0"/>
+          </a:p>
+        </p:txBody>
+      </p:sp>
+      <p:sp>
+        <p:nvSpPr>
+          <p:cNvPr id="4" name="Rounded Rectangular Callout 3"/>
+          <p:cNvSpPr/>
+          <p:nvPr/>
+        </p:nvSpPr>
+        <p:spPr>
+          <a:xfrm>
+            <a:off x="6043875" y="2133966"/>
+            <a:ext cx="850179" cy="374073"/>
+          </a:xfrm>
+          <a:prstGeom prst="wedgeRoundRectCallout">
+            <a:avLst>
+              <a:gd name="adj1" fmla="val -127425"/>
+              <a:gd name="adj2" fmla="val 41085"/>
+              <a:gd name="adj3" fmla="val 16667"/>
+            </a:avLst>
+          </a:prstGeom>
+        </p:spPr>
+        <p:style>
+          <a:lnRef idx="2">
+            <a:schemeClr val="accent1">
+              <a:shade val="50000"/>
+            </a:schemeClr>
+          </a:lnRef>
+          <a:fillRef idx="1">
+            <a:schemeClr val="accent1"/>
+          </a:fillRef>
+          <a:effectRef idx="0">
+            <a:schemeClr val="accent1"/>
+          </a:effectRef>
+          <a:fontRef idx="minor">
+            <a:schemeClr val="lt1"/>
+          </a:fontRef>
+        </p:style>
+        <p:txBody>
+          <a:bodyPr rtlCol="0" anchor="ctr"/>
+          <a:lstStyle/>
+          <a:p>
+            <a:pPr algn="ctr"/>
+            <a:r>
+              <a:rPr lang="en-US" sz="1050" dirty="0" smtClean="0"/>
+              <a:t>Action Variables</a:t>
+            </a:r>
+            <a:endParaRPr lang="en-US" sz="1050" dirty="0"/>
           </a:p>
         </p:txBody>
       </p:sp>
     </p:spTree>
     <p:extLst>
       <p:ext uri="{BB962C8B-B14F-4D97-AF65-F5344CB8AC3E}">
-        <p14:creationId xmlns:p14="http://schemas.microsoft.com/office/powerpoint/2010/main" val="2750317052"/>
+        <p14:creationId xmlns:p14="http://schemas.microsoft.com/office/powerpoint/2010/main" val="3604702950"/>
       </p:ext>
     </p:extLst>
   </p:cSld>
   <p:clrMapOvr>
     <a:masterClrMapping/>
   </p:clrMapOvr>
+  <p:timing>
+    <p:tnLst>
+      <p:par>
+        <p:cTn id="1" dur="indefinite" restart="never" nodeType="tmRoot"/>
+      </p:par>
+    </p:tnLst>
+  </p:timing>
 </p:sld>
 </file>
 
@@ -6710,7 +6742,7 @@
             </a:br>
             <a:r>
               <a:rPr lang="en-US" dirty="0" smtClean="0"/>
-              <a:t>Services</a:t>
+              <a:t>“After” Filters</a:t>
             </a:r>
             <a:endParaRPr lang="en-US" dirty="0"/>
           </a:p>
@@ -6728,37 +6760,162 @@
         </p:nvSpPr>
         <p:spPr/>
         <p:txBody>
-          <a:bodyPr/>
+          <a:bodyPr>
+            <a:normAutofit/>
+          </a:bodyPr>
           <a:lstStyle/>
           <a:p>
             <a:r>
               <a:rPr lang="en-US" dirty="0" smtClean="0"/>
-              <a:t>Services are made up of:</a:t>
+              <a:t>Usage</a:t>
+            </a:r>
+          </a:p>
+          <a:p>
+            <a:pPr marL="0" indent="0">
+              <a:buNone/>
+            </a:pPr>
+            <a:endParaRPr lang="en-US" dirty="0" smtClean="0"/>
+          </a:p>
+          <a:p>
+            <a:pPr marL="0" indent="0">
+              <a:buNone/>
+            </a:pPr>
+            <a:r>
+              <a:rPr lang="en-US" dirty="0" err="1" smtClean="0"/>
+              <a:t>gServ.http</a:t>
+            </a:r>
+            <a:r>
+              <a:rPr lang="en-US" dirty="0" smtClean="0"/>
+              <a:t> </a:t>
+            </a:r>
+            <a:r>
+              <a:rPr lang="en-US" dirty="0"/>
+              <a:t>{</a:t>
+            </a:r>
+          </a:p>
+          <a:p>
+            <a:pPr marL="457200" lvl="1" indent="0">
+              <a:buNone/>
+            </a:pPr>
+            <a:r>
+              <a:rPr lang="en-US" dirty="0" smtClean="0"/>
+              <a:t>after </a:t>
+            </a:r>
+            <a:r>
+              <a:rPr lang="en-US" dirty="0"/>
+              <a:t>‘</a:t>
+            </a:r>
+            <a:r>
+              <a:rPr lang="en-US" dirty="0" err="1"/>
+              <a:t>securityFilter</a:t>
+            </a:r>
+            <a:r>
+              <a:rPr lang="en-US" dirty="0"/>
+              <a:t>’, ‘/secured/*’, </a:t>
+            </a:r>
+            <a:r>
+              <a:rPr lang="en-US" dirty="0" smtClean="0"/>
+              <a:t>[‘</a:t>
+            </a:r>
+            <a:r>
+              <a:rPr lang="en-US" dirty="0"/>
+              <a:t>PUT’,’POST’], </a:t>
+            </a:r>
+            <a:r>
+              <a:rPr lang="en-US" dirty="0" smtClean="0"/>
+              <a:t>[:],</a:t>
+            </a:r>
+            <a:r>
+              <a:rPr lang="en-US" dirty="0"/>
+              <a:t> </a:t>
+            </a:r>
+            <a:r>
+              <a:rPr lang="en-US" dirty="0" smtClean="0"/>
+              <a:t>5</a:t>
+            </a:r>
+            <a:r>
+              <a:rPr lang="en-US" dirty="0"/>
+              <a:t>, </a:t>
+            </a:r>
+            <a:r>
+              <a:rPr lang="en-US" dirty="0" err="1" smtClean="0"/>
+              <a:t>afterFunction</a:t>
+            </a:r>
+            <a:endParaRPr lang="en-US" dirty="0"/>
+          </a:p>
+          <a:p>
+            <a:pPr marL="0" indent="0">
+              <a:buNone/>
+            </a:pPr>
+            <a:r>
+              <a:rPr lang="en-US" dirty="0" smtClean="0"/>
+              <a:t>}</a:t>
+            </a:r>
+          </a:p>
+          <a:p>
+            <a:pPr marL="0" indent="0">
+              <a:buNone/>
+            </a:pPr>
+            <a:endParaRPr lang="en-US" dirty="0" smtClean="0"/>
+          </a:p>
+          <a:p>
+            <a:r>
+              <a:rPr lang="en-US" dirty="0"/>
+              <a:t>To modify the data, just return a new byte array.  To do nothing, just return null</a:t>
+            </a:r>
+          </a:p>
+          <a:p>
+            <a:r>
+              <a:rPr lang="en-US" dirty="0" smtClean="0"/>
+              <a:t>After Function </a:t>
+            </a:r>
+            <a:r>
+              <a:rPr lang="en-US" dirty="0"/>
+              <a:t>Signature</a:t>
+            </a:r>
+            <a:r>
+              <a:rPr lang="en-US" dirty="0" smtClean="0"/>
+              <a:t>:</a:t>
             </a:r>
           </a:p>
           <a:p>
             <a:pPr lvl="1"/>
             <a:r>
               <a:rPr lang="en-US" dirty="0" smtClean="0"/>
-              <a:t>Resources</a:t>
-            </a:r>
-          </a:p>
-          <a:p>
-            <a:pPr lvl="1"/>
-            <a:r>
-              <a:rPr lang="en-US" dirty="0" smtClean="0"/>
-              <a:t>Static Roots</a:t>
-            </a:r>
-          </a:p>
-          <a:p>
-            <a:pPr lvl="1"/>
-            <a:r>
-              <a:rPr lang="en-US" dirty="0" smtClean="0"/>
-              <a:t>Filters</a:t>
-            </a:r>
-          </a:p>
-          <a:p>
-            <a:pPr marL="457200" lvl="1" indent="0">
+              <a:t>byte</a:t>
+            </a:r>
+            <a:r>
+              <a:rPr lang="en-US" dirty="0"/>
+              <a:t>[] </a:t>
+            </a:r>
+            <a:r>
+              <a:rPr lang="en-US" dirty="0" err="1" smtClean="0"/>
+              <a:t>afterFunction</a:t>
+            </a:r>
+            <a:r>
+              <a:rPr lang="en-US" dirty="0" smtClean="0"/>
+              <a:t>( </a:t>
+            </a:r>
+            <a:r>
+              <a:rPr lang="en-US" dirty="0" err="1"/>
+              <a:t>RequestContext</a:t>
+            </a:r>
+            <a:r>
+              <a:rPr lang="en-US" dirty="0"/>
+              <a:t> </a:t>
+            </a:r>
+            <a:r>
+              <a:rPr lang="en-US" dirty="0" err="1"/>
+              <a:t>requestContext</a:t>
+            </a:r>
+            <a:r>
+              <a:rPr lang="en-US" dirty="0"/>
+              <a:t>, byte[] data )</a:t>
+            </a:r>
+            <a:endParaRPr lang="en-US" dirty="0"/>
+          </a:p>
+          <a:p>
+            <a:pPr marL="0" indent="0">
               <a:buNone/>
             </a:pPr>
             <a:endParaRPr lang="en-US" dirty="0"/>
@@ -6768,7 +6925,7 @@
     </p:spTree>
     <p:extLst>
       <p:ext uri="{BB962C8B-B14F-4D97-AF65-F5344CB8AC3E}">
-        <p14:creationId xmlns:p14="http://schemas.microsoft.com/office/powerpoint/2010/main" val="3818748897"/>
+        <p14:creationId xmlns:p14="http://schemas.microsoft.com/office/powerpoint/2010/main" val="2695288156"/>
       </p:ext>
     </p:extLst>
   </p:cSld>
@@ -6826,7 +6983,7 @@
             </a:br>
             <a:r>
               <a:rPr lang="en-US" dirty="0" smtClean="0"/>
-              <a:t>Services</a:t>
+              <a:t>URL Action Mapping</a:t>
             </a:r>
             <a:endParaRPr lang="en-US" dirty="0"/>
           </a:p>
@@ -6847,86 +7004,80 @@
           <a:bodyPr/>
           <a:lstStyle/>
           <a:p>
-            <a:pPr marL="0" indent="0">
+            <a:r>
+              <a:rPr lang="en-US" dirty="0" smtClean="0"/>
+              <a:t>Matching is described in detail in the </a:t>
+            </a:r>
+            <a:r>
+              <a:rPr lang="en-US" dirty="0" smtClean="0">
+                <a:hlinkClick r:id="rId2"/>
+              </a:rPr>
+              <a:t>Wiki </a:t>
+            </a:r>
+            <a:endParaRPr lang="en-US" dirty="0" smtClean="0"/>
+          </a:p>
+          <a:p>
+            <a:r>
+              <a:rPr lang="en-US" dirty="0" smtClean="0"/>
+              <a:t>Examples:</a:t>
+            </a:r>
+          </a:p>
+          <a:p>
+            <a:pPr lvl="1"/>
+            <a:r>
+              <a:rPr lang="en-US" dirty="0" smtClean="0"/>
+              <a:t> “/docs”	 	-	“/docs” only.</a:t>
+            </a:r>
+          </a:p>
+          <a:p>
+            <a:pPr lvl="1"/>
+            <a:r>
+              <a:rPr lang="en-US" dirty="0" smtClean="0"/>
+              <a:t>“/docs/:id”	-	“/docs/</a:t>
+            </a:r>
+            <a:r>
+              <a:rPr lang="en-US" dirty="0" err="1" smtClean="0"/>
+              <a:t>AnyValue</a:t>
+            </a:r>
+            <a:r>
+              <a:rPr lang="en-US" dirty="0" smtClean="0"/>
+              <a:t>”</a:t>
+            </a:r>
+          </a:p>
+          <a:p>
+            <a:pPr lvl="1"/>
+            <a:r>
+              <a:rPr lang="en-US" dirty="0" smtClean="0"/>
+              <a:t>“/docs/:</a:t>
+            </a:r>
+            <a:r>
+              <a:rPr lang="en-US" dirty="0" err="1" smtClean="0"/>
+              <a:t>id:Integer</a:t>
+            </a:r>
+            <a:r>
+              <a:rPr lang="en-US" dirty="0" smtClean="0"/>
+              <a:t>” –  “/docs/20” but not “/docs/x”</a:t>
+            </a:r>
+          </a:p>
+          <a:p>
+            <a:pPr lvl="1"/>
+            <a:r>
+              <a:rPr lang="en-US" dirty="0" smtClean="0"/>
+              <a:t>“/:</a:t>
+            </a:r>
+            <a:r>
+              <a:rPr lang="en-US" dirty="0" err="1" smtClean="0"/>
+              <a:t>ssn</a:t>
+            </a:r>
+            <a:r>
+              <a:rPr lang="en-US" dirty="0" smtClean="0"/>
+              <a:t>:`\d\d\d-\d\d-\d\d\d\d`” – “/334-22-5454” </a:t>
+            </a:r>
+          </a:p>
+          <a:p>
+            <a:pPr marL="457200" lvl="1" indent="0">
               <a:buNone/>
             </a:pPr>
-            <a:r>
-              <a:rPr lang="en-US" dirty="0" smtClean="0"/>
-              <a:t>Static Files</a:t>
-            </a:r>
-          </a:p>
-          <a:p>
-            <a:pPr lvl="1"/>
-            <a:r>
-              <a:rPr lang="en-US" dirty="0" err="1" smtClean="0"/>
-              <a:t>static_roots</a:t>
-            </a:r>
-            <a:r>
-              <a:rPr lang="en-US" dirty="0" smtClean="0"/>
-              <a:t>(</a:t>
-            </a:r>
-            <a:r>
-              <a:rPr lang="en-US" dirty="0" err="1" smtClean="0"/>
-              <a:t>dir</a:t>
-            </a:r>
-            <a:r>
-              <a:rPr lang="en-US" dirty="0" smtClean="0"/>
-              <a:t>) - used to specify a </a:t>
-            </a:r>
-            <a:r>
-              <a:rPr lang="en-US" dirty="0" err="1" smtClean="0"/>
-              <a:t>dir</a:t>
-            </a:r>
-            <a:r>
-              <a:rPr lang="en-US" dirty="0" smtClean="0"/>
-              <a:t> containing static files.</a:t>
-            </a:r>
-          </a:p>
-          <a:p>
-            <a:pPr lvl="1"/>
-            <a:r>
-              <a:rPr lang="en-US" dirty="0" err="1" smtClean="0"/>
-              <a:t>useResourceDocs</a:t>
-            </a:r>
-            <a:r>
-              <a:rPr lang="en-US" dirty="0" smtClean="0"/>
-              <a:t>(Boolean) – when set to </a:t>
-            </a:r>
-            <a:r>
-              <a:rPr lang="en-US" i="1" dirty="0" smtClean="0"/>
-              <a:t>true</a:t>
-            </a:r>
-            <a:r>
-              <a:rPr lang="en-US" dirty="0" smtClean="0"/>
-              <a:t>, gServ will look on the </a:t>
-            </a:r>
-            <a:r>
-              <a:rPr lang="en-US" dirty="0" err="1" smtClean="0"/>
-              <a:t>classpath</a:t>
-            </a:r>
-            <a:r>
-              <a:rPr lang="en-US" dirty="0" smtClean="0"/>
-              <a:t> for files in a directory called ‘docs’. </a:t>
-            </a:r>
-          </a:p>
-          <a:p>
-            <a:pPr lvl="1"/>
-            <a:r>
-              <a:rPr lang="en-US" dirty="0" err="1" smtClean="0"/>
-              <a:t>defaultResource</a:t>
-            </a:r>
-            <a:r>
-              <a:rPr lang="en-US" dirty="0" smtClean="0"/>
-              <a:t>( </a:t>
-            </a:r>
-            <a:r>
-              <a:rPr lang="en-US" dirty="0" err="1" smtClean="0"/>
-              <a:t>filePath</a:t>
-            </a:r>
-            <a:r>
-              <a:rPr lang="en-US" dirty="0" smtClean="0"/>
-              <a:t> ) – the file to return when no file is specified and no action is matched.</a:t>
-            </a:r>
             <a:endParaRPr lang="en-US" dirty="0"/>
           </a:p>
         </p:txBody>
@@ -6934,20 +7085,13 @@
     </p:spTree>
     <p:extLst>
       <p:ext uri="{BB962C8B-B14F-4D97-AF65-F5344CB8AC3E}">
-        <p14:creationId xmlns:p14="http://schemas.microsoft.com/office/powerpoint/2010/main" val="4019597719"/>
+        <p14:creationId xmlns:p14="http://schemas.microsoft.com/office/powerpoint/2010/main" val="2789437907"/>
       </p:ext>
     </p:extLst>
   </p:cSld>
   <p:clrMapOvr>
     <a:masterClrMapping/>
   </p:clrMapOvr>
-  <p:timing>
-    <p:tnLst>
-      <p:par>
-        <p:cTn id="1" dur="indefinite" restart="never" nodeType="tmRoot"/>
-      </p:par>
-    </p:tnLst>
-  </p:timing>
 </p:sld>
 </file>
 
@@ -6992,7 +7136,7 @@
             </a:br>
             <a:r>
               <a:rPr lang="en-US" dirty="0" smtClean="0"/>
-              <a:t>Filters: Before &amp; After</a:t>
+              <a:t>Implicit Input Conversion</a:t>
             </a:r>
             <a:endParaRPr lang="en-US" dirty="0"/>
           </a:p>
@@ -7010,92 +7154,239 @@
         </p:nvSpPr>
         <p:spPr/>
         <p:txBody>
-          <a:bodyPr/>
+          <a:bodyPr>
+            <a:normAutofit fontScale="85000" lnSpcReduction="20000"/>
+          </a:bodyPr>
           <a:lstStyle/>
           <a:p>
             <a:r>
-              <a:rPr lang="en-US" dirty="0"/>
-              <a:t>In the </a:t>
-            </a:r>
-            <a:r>
-              <a:rPr lang="en-US" dirty="0"/>
-              <a:t>g</a:t>
-            </a:r>
-            <a:r>
-              <a:rPr lang="en-US" dirty="0" smtClean="0"/>
-              <a:t>Serv Configuration </a:t>
-            </a:r>
-            <a:r>
-              <a:rPr lang="en-US" dirty="0"/>
-              <a:t>you can define filters. </a:t>
-            </a:r>
-            <a:r>
-              <a:rPr lang="en-US" dirty="0" smtClean="0"/>
-              <a:t>gServ </a:t>
-            </a:r>
-            <a:r>
-              <a:rPr lang="en-US" dirty="0"/>
-              <a:t>defines 2 kinds of filters: After and Before</a:t>
-            </a:r>
-            <a:r>
-              <a:rPr lang="en-US" dirty="0"/>
-              <a:t/>
-            </a:r>
-            <a:br>
-              <a:rPr lang="en-US" dirty="0"/>
-            </a:br>
-            <a:r>
-              <a:rPr lang="en-US" dirty="0"/>
-              <a:t>As you can probably guess, before-filters are called </a:t>
-            </a:r>
-            <a:r>
-              <a:rPr lang="en-US" b="1" dirty="0"/>
-              <a:t>before</a:t>
-            </a:r>
-            <a:r>
-              <a:rPr lang="en-US" dirty="0"/>
-              <a:t> the Action code is called.</a:t>
-            </a:r>
-            <a:r>
-              <a:rPr lang="en-US" dirty="0"/>
-              <a:t/>
-            </a:r>
-            <a:br>
-              <a:rPr lang="en-US" dirty="0"/>
-            </a:br>
-            <a:r>
-              <a:rPr lang="en-US" dirty="0"/>
-              <a:t>Similarly, after-filters are called </a:t>
-            </a:r>
-            <a:r>
-              <a:rPr lang="en-US" b="1" dirty="0"/>
-              <a:t>after</a:t>
-            </a:r>
-            <a:r>
-              <a:rPr lang="en-US" dirty="0"/>
-              <a:t> the Action code is called and has a chance to modify the output produced by the Action.</a:t>
-            </a:r>
-            <a:endParaRPr lang="en-US" b="1" dirty="0"/>
+              <a:rPr lang="en-US" dirty="0" smtClean="0"/>
+              <a:t>You may define a conversion function to convert input to </a:t>
+            </a:r>
+            <a:r>
+              <a:rPr lang="en-US" dirty="0" smtClean="0"/>
+              <a:t>PUT </a:t>
+            </a:r>
+            <a:r>
+              <a:rPr lang="en-US" dirty="0" smtClean="0"/>
+              <a:t>or  POST </a:t>
+            </a:r>
+            <a:r>
+              <a:rPr lang="en-US" dirty="0" smtClean="0"/>
+              <a:t>requests.  </a:t>
+            </a:r>
+          </a:p>
+          <a:p>
+            <a:r>
+              <a:rPr lang="en-US" dirty="0" smtClean="0"/>
+              <a:t>If a conversion is found for </a:t>
+            </a:r>
+            <a:r>
+              <a:rPr lang="en-US" dirty="0" smtClean="0"/>
+              <a:t>the declared </a:t>
+            </a:r>
+            <a:r>
+              <a:rPr lang="en-US" dirty="0" smtClean="0"/>
+              <a:t>type, </a:t>
+            </a:r>
+            <a:r>
+              <a:rPr lang="en-US" dirty="0" smtClean="0"/>
+              <a:t>it will be used to convert the value. </a:t>
+            </a:r>
+          </a:p>
+          <a:p>
+            <a:r>
+              <a:rPr lang="en-US" dirty="0" err="1" smtClean="0"/>
+              <a:t>gServ.http</a:t>
+            </a:r>
+            <a:r>
+              <a:rPr lang="en-US" dirty="0" smtClean="0"/>
+              <a:t> {</a:t>
+            </a:r>
+          </a:p>
+          <a:p>
+            <a:pPr marL="457200" lvl="1" indent="0">
+              <a:buNone/>
+            </a:pPr>
+            <a:r>
+              <a:rPr lang="en-US" dirty="0" smtClean="0"/>
+              <a:t>	conversion(Transaction) { instream -&gt;</a:t>
+            </a:r>
+          </a:p>
+          <a:p>
+            <a:pPr marL="0" indent="0">
+              <a:buNone/>
+            </a:pPr>
+            <a:r>
+              <a:rPr lang="en-US" dirty="0" smtClean="0"/>
+              <a:t>			/// read the </a:t>
+            </a:r>
+            <a:r>
+              <a:rPr lang="en-US" dirty="0" err="1" smtClean="0"/>
+              <a:t>inputStream</a:t>
+            </a:r>
+            <a:r>
+              <a:rPr lang="en-US" dirty="0" smtClean="0"/>
+              <a:t> </a:t>
+            </a:r>
+          </a:p>
+          <a:p>
+            <a:pPr marL="0" indent="0">
+              <a:buNone/>
+            </a:pPr>
+            <a:r>
+              <a:rPr lang="en-US" dirty="0"/>
+              <a:t>	</a:t>
+            </a:r>
+            <a:r>
+              <a:rPr lang="en-US" dirty="0" smtClean="0"/>
+              <a:t>		/// create and return Transaction instance</a:t>
+            </a:r>
+            <a:endParaRPr lang="en-US" dirty="0"/>
+          </a:p>
+          <a:p>
+            <a:pPr marL="0" indent="0">
+              <a:buNone/>
+            </a:pPr>
+            <a:r>
+              <a:rPr lang="en-US" dirty="0" smtClean="0"/>
+              <a:t>		}</a:t>
+            </a:r>
+          </a:p>
+          <a:p>
+            <a:pPr marL="0" indent="0">
+              <a:buNone/>
+            </a:pPr>
+            <a:r>
+              <a:rPr lang="en-US" dirty="0"/>
+              <a:t>		</a:t>
+            </a:r>
+            <a:r>
+              <a:rPr lang="en-US" dirty="0" smtClean="0"/>
+              <a:t>put ‘/:</a:t>
+            </a:r>
+            <a:r>
+              <a:rPr lang="en-US" dirty="0" err="1" smtClean="0"/>
+              <a:t>id:Integer</a:t>
+            </a:r>
+            <a:r>
+              <a:rPr lang="en-US" dirty="0" smtClean="0"/>
+              <a:t>/’, </a:t>
+            </a:r>
+            <a:r>
+              <a:rPr lang="en-US" dirty="0" smtClean="0"/>
+              <a:t>{ Transaction </a:t>
+            </a:r>
+            <a:r>
+              <a:rPr lang="en-US" dirty="0"/>
+              <a:t>trans </a:t>
+            </a:r>
+            <a:r>
+              <a:rPr lang="en-US" dirty="0" smtClean="0"/>
+              <a:t>, id -&gt;</a:t>
+            </a:r>
+            <a:endParaRPr lang="en-US" dirty="0"/>
+          </a:p>
+          <a:p>
+            <a:pPr marL="0" indent="0">
+              <a:buNone/>
+            </a:pPr>
+            <a:r>
+              <a:rPr lang="en-US" dirty="0" smtClean="0"/>
+              <a:t>			def </a:t>
+            </a:r>
+            <a:r>
+              <a:rPr lang="en-US" dirty="0" err="1" smtClean="0"/>
+              <a:t>resp</a:t>
+            </a:r>
+            <a:r>
+              <a:rPr lang="en-US" dirty="0" smtClean="0"/>
+              <a:t> = </a:t>
+            </a:r>
+            <a:r>
+              <a:rPr lang="en-US" dirty="0" err="1" smtClean="0"/>
+              <a:t>someService.saveTransaction</a:t>
+            </a:r>
+            <a:r>
+              <a:rPr lang="en-US" dirty="0" smtClean="0"/>
+              <a:t>(id, trans)</a:t>
+            </a:r>
+          </a:p>
+          <a:p>
+            <a:pPr marL="0" indent="0">
+              <a:buNone/>
+            </a:pPr>
+            <a:r>
+              <a:rPr lang="en-US" dirty="0"/>
+              <a:t>	</a:t>
+            </a:r>
+            <a:r>
+              <a:rPr lang="en-US" dirty="0" smtClean="0"/>
+              <a:t>		</a:t>
+            </a:r>
+            <a:r>
+              <a:rPr lang="en-US" dirty="0" err="1" smtClean="0"/>
+              <a:t>writeJson</a:t>
+            </a:r>
+            <a:r>
+              <a:rPr lang="en-US" dirty="0" smtClean="0"/>
+              <a:t> </a:t>
+            </a:r>
+            <a:r>
+              <a:rPr lang="en-US" dirty="0" smtClean="0"/>
+              <a:t> </a:t>
+            </a:r>
+            <a:r>
+              <a:rPr lang="en-US" dirty="0" err="1" smtClean="0"/>
+              <a:t>resp</a:t>
+            </a:r>
+            <a:r>
+              <a:rPr lang="en-US" dirty="0" smtClean="0"/>
+              <a:t> </a:t>
+            </a:r>
+            <a:endParaRPr lang="en-US" dirty="0"/>
+          </a:p>
+          <a:p>
+            <a:pPr marL="0" indent="0">
+              <a:buNone/>
+            </a:pPr>
+            <a:r>
+              <a:rPr lang="en-US" dirty="0"/>
+              <a:t>		</a:t>
+            </a:r>
+            <a:r>
+              <a:rPr lang="en-US" dirty="0" smtClean="0"/>
+              <a:t>}</a:t>
+            </a:r>
+            <a:endParaRPr lang="en-US" dirty="0"/>
+          </a:p>
+          <a:p>
+            <a:pPr marL="0" indent="0">
+              <a:buNone/>
+            </a:pPr>
+            <a:r>
+              <a:rPr lang="en-US" dirty="0"/>
+              <a:t>	}</a:t>
+            </a:r>
+          </a:p>
+          <a:p>
+            <a:pPr marL="0" indent="0">
+              <a:buNone/>
+            </a:pPr>
+            <a:endParaRPr lang="en-US" dirty="0"/>
           </a:p>
         </p:txBody>
       </p:sp>
     </p:spTree>
     <p:extLst>
       <p:ext uri="{BB962C8B-B14F-4D97-AF65-F5344CB8AC3E}">
-        <p14:creationId xmlns:p14="http://schemas.microsoft.com/office/powerpoint/2010/main" val="2815898819"/>
+        <p14:creationId xmlns:p14="http://schemas.microsoft.com/office/powerpoint/2010/main" val="3458327049"/>
       </p:ext>
     </p:extLst>
   </p:cSld>
   <p:clrMapOvr>
     <a:masterClrMapping/>
   </p:clrMapOvr>
-  <p:timing>
-    <p:tnLst>
-      <p:par>
-        <p:cTn id="1" dur="indefinite" restart="never" nodeType="tmRoot"/>
-      </p:par>
-    </p:tnLst>
-  </p:timing>
 </p:sld>
 </file>
 
@@ -7140,15 +7431,15 @@
             </a:br>
             <a:r>
               <a:rPr lang="en-US" dirty="0" smtClean="0"/>
-              <a:t>“Before” Filters</a:t>
-            </a:r>
-            <a:endParaRPr lang="en-US" dirty="0"/>
-          </a:p>
-        </p:txBody>
-      </p:sp>
-      <p:sp>
-        <p:nvSpPr>
-          <p:cNvPr id="13" name="Content Placeholder 12"/>
+              <a:t>Plugins</a:t>
+            </a:r>
+            <a:endParaRPr lang="en-US" dirty="0"/>
+          </a:p>
+        </p:txBody>
+      </p:sp>
+      <p:sp>
+        <p:nvSpPr>
+          <p:cNvPr id="3" name="Content Placeholder 2"/>
           <p:cNvSpPr>
             <a:spLocks noGrp="1"/>
           </p:cNvSpPr>
@@ -7159,186 +7450,143 @@
         <p:spPr/>
         <p:txBody>
           <a:bodyPr>
-            <a:normAutofit fontScale="92500" lnSpcReduction="20000"/>
+            <a:normAutofit/>
           </a:bodyPr>
           <a:lstStyle/>
           <a:p>
             <a:r>
-              <a:rPr lang="en-US" dirty="0" smtClean="0"/>
-              <a:t>Example:</a:t>
-            </a:r>
-          </a:p>
-          <a:p>
-            <a:pPr marL="0" indent="0">
+              <a:rPr lang="en-US" dirty="0"/>
+              <a:t>gServ plugins extend the functionality of gServ in various ways. </a:t>
+            </a:r>
+          </a:p>
+          <a:p>
+            <a:pPr marL="457200" lvl="1" indent="0">
               <a:buNone/>
             </a:pPr>
-            <a:endParaRPr lang="en-US" dirty="0"/>
-          </a:p>
-          <a:p>
-            <a:pPr marL="0" indent="0">
+            <a:r>
+              <a:rPr lang="en-US" dirty="0"/>
+              <a:t>A plugin may:</a:t>
+            </a:r>
+          </a:p>
+          <a:p>
+            <a:pPr marL="457200" lvl="1" indent="0">
               <a:buNone/>
             </a:pPr>
             <a:r>
+              <a:rPr lang="en-US" dirty="0"/>
+              <a:t>	- Create filters</a:t>
+            </a:r>
+          </a:p>
+          <a:p>
+            <a:pPr marL="457200" lvl="1" indent="0">
+              <a:buNone/>
+            </a:pPr>
+            <a:r>
+              <a:rPr lang="en-US" dirty="0"/>
+              <a:t>	- Add functions to a configuration </a:t>
+            </a:r>
+            <a:r>
+              <a:rPr lang="en-US" dirty="0" smtClean="0"/>
+              <a:t>closure</a:t>
+            </a:r>
+          </a:p>
+          <a:p>
+            <a:pPr marL="457200" lvl="1" indent="0">
+              <a:buNone/>
+            </a:pPr>
+            <a:endParaRPr lang="en-US" dirty="0"/>
+          </a:p>
+          <a:p>
+            <a:r>
+              <a:rPr lang="en-US" dirty="0"/>
+              <a:t>	</a:t>
+            </a:r>
+            <a:r>
+              <a:rPr lang="en-US" dirty="0" smtClean="0"/>
+              <a:t>gServ built-in plugins.</a:t>
+            </a:r>
+          </a:p>
+          <a:p>
+            <a:pPr marL="457200" lvl="1" indent="0">
+              <a:buNone/>
+            </a:pPr>
+            <a:r>
+              <a:rPr lang="en-US" dirty="0" smtClean="0"/>
+              <a:t>Compression</a:t>
+            </a:r>
+            <a:r>
+              <a:rPr lang="en-US" dirty="0"/>
+              <a:t>	-	Supports </a:t>
+            </a:r>
+            <a:r>
+              <a:rPr lang="en-US" dirty="0" smtClean="0"/>
+              <a:t>the </a:t>
+            </a:r>
+            <a:r>
+              <a:rPr lang="en-US" i="1" dirty="0" smtClean="0"/>
+              <a:t>gzip</a:t>
+            </a:r>
+            <a:r>
+              <a:rPr lang="en-US" dirty="0" smtClean="0"/>
+              <a:t> and </a:t>
+            </a:r>
+            <a:r>
+              <a:rPr lang="en-US" i="1" dirty="0" smtClean="0"/>
+              <a:t>compress</a:t>
+            </a:r>
+            <a:endParaRPr lang="en-US" i="1" dirty="0"/>
+          </a:p>
+          <a:p>
+            <a:pPr marL="457200" lvl="1" indent="0">
+              <a:buNone/>
+            </a:pPr>
+            <a:r>
+              <a:rPr lang="en-US" dirty="0"/>
+              <a:t>CORS		</a:t>
+            </a:r>
+            <a:r>
+              <a:rPr lang="en-US" dirty="0" smtClean="0"/>
+              <a:t>	-</a:t>
+            </a:r>
+            <a:r>
+              <a:rPr lang="en-US" dirty="0"/>
+              <a:t>	Supports the CORS  Standard</a:t>
+            </a:r>
+          </a:p>
+          <a:p>
+            <a:pPr marL="457200" lvl="1" indent="0">
+              <a:buNone/>
+            </a:pPr>
+            <a:r>
+              <a:rPr lang="en-US" dirty="0" smtClean="0"/>
+              <a:t>Client Caching</a:t>
+            </a:r>
+            <a:r>
+              <a:rPr lang="en-US" dirty="0"/>
+              <a:t>	-	</a:t>
+            </a:r>
+            <a:r>
               <a:rPr lang="en-US" dirty="0" err="1" smtClean="0"/>
-              <a:t>gServ.http</a:t>
-            </a:r>
-            <a:r>
-              <a:rPr lang="en-US" dirty="0" smtClean="0"/>
-              <a:t> {</a:t>
-            </a:r>
+              <a:t>ETags</a:t>
+            </a:r>
+            <a:r>
+              <a:rPr lang="en-US" dirty="0" smtClean="0"/>
+              <a:t>: Weak and Strong supported </a:t>
+            </a:r>
+            <a:endParaRPr lang="en-US" dirty="0"/>
           </a:p>
           <a:p>
             <a:pPr marL="457200" lvl="1" indent="0">
               <a:buNone/>
             </a:pPr>
-            <a:r>
-              <a:rPr lang="en-US" dirty="0" smtClean="0"/>
-              <a:t>before( ‘</a:t>
-            </a:r>
-            <a:r>
-              <a:rPr lang="en-US" dirty="0" err="1" smtClean="0"/>
-              <a:t>securityFilter</a:t>
-            </a:r>
-            <a:r>
-              <a:rPr lang="en-US" dirty="0" smtClean="0"/>
-              <a:t>’, ‘/secured/*’, </a:t>
-            </a:r>
-          </a:p>
-          <a:p>
-            <a:pPr marL="457200" lvl="1" indent="0">
-              <a:buNone/>
-            </a:pPr>
-            <a:r>
-              <a:rPr lang="en-US" dirty="0" smtClean="0"/>
-              <a:t>	[‘PUT’,’POST</a:t>
-            </a:r>
-            <a:r>
-              <a:rPr lang="en-US" dirty="0"/>
-              <a:t>’], </a:t>
-            </a:r>
-            <a:r>
-              <a:rPr lang="en-US" dirty="0" smtClean="0"/>
-              <a:t>	</a:t>
-            </a:r>
-          </a:p>
-          <a:p>
-            <a:pPr marL="457200" lvl="1" indent="0">
-              <a:buNone/>
-            </a:pPr>
-            <a:r>
-              <a:rPr lang="en-US" dirty="0" smtClean="0"/>
-              <a:t>	[(</a:t>
-            </a:r>
-            <a:r>
-              <a:rPr lang="en-US" dirty="0" err="1"/>
-              <a:t>FilterOptions.PassActionParams</a:t>
-            </a:r>
-            <a:r>
-              <a:rPr lang="en-US" dirty="0"/>
-              <a:t>): true], </a:t>
-            </a:r>
-            <a:endParaRPr lang="en-US" dirty="0" smtClean="0"/>
-          </a:p>
-          <a:p>
-            <a:pPr marL="457200" lvl="1" indent="0">
-              <a:buNone/>
-            </a:pPr>
-            <a:r>
-              <a:rPr lang="en-US" dirty="0" smtClean="0"/>
-              <a:t>	5, </a:t>
-            </a:r>
-            <a:r>
-              <a:rPr lang="en-US" dirty="0" err="1" smtClean="0"/>
-              <a:t>beforeFunction</a:t>
-            </a:r>
-            <a:r>
-              <a:rPr lang="en-US" dirty="0" smtClean="0"/>
-              <a:t>)</a:t>
-            </a:r>
-            <a:endParaRPr lang="en-US" dirty="0"/>
-          </a:p>
-          <a:p>
-            <a:pPr marL="0" indent="0">
-              <a:buNone/>
-            </a:pPr>
-            <a:r>
-              <a:rPr lang="en-US" dirty="0" smtClean="0"/>
-              <a:t>}</a:t>
-            </a:r>
-          </a:p>
-          <a:p>
-            <a:pPr marL="0" indent="0">
-              <a:buNone/>
-            </a:pPr>
-            <a:r>
-              <a:rPr lang="en-US" dirty="0"/>
-              <a:t>The arguments passed to the </a:t>
-            </a:r>
-            <a:r>
-              <a:rPr lang="en-US" dirty="0" err="1"/>
-              <a:t>beforeFunction</a:t>
-            </a:r>
-            <a:r>
-              <a:rPr lang="en-US" dirty="0"/>
-              <a:t> </a:t>
-            </a:r>
-            <a:r>
-              <a:rPr lang="en-US" dirty="0" smtClean="0"/>
-              <a:t>vary </a:t>
-            </a:r>
-            <a:r>
-              <a:rPr lang="en-US" dirty="0"/>
-              <a:t>depending on the filter's options. If the </a:t>
-            </a:r>
-            <a:r>
-              <a:rPr lang="en-US" dirty="0" smtClean="0"/>
-              <a:t>'</a:t>
-            </a:r>
-            <a:r>
-              <a:rPr lang="en-US" dirty="0" err="1" smtClean="0"/>
-              <a:t>PassActionParams</a:t>
-            </a:r>
-            <a:r>
-              <a:rPr lang="en-US" dirty="0" smtClean="0"/>
-              <a:t>‘ is </a:t>
-            </a:r>
-            <a:r>
-              <a:rPr lang="en-US" dirty="0"/>
-              <a:t>set to 'true', then the action variables will be passed to the closure, in order, as arguments.. </a:t>
-            </a:r>
-            <a:r>
-              <a:rPr lang="en-US" dirty="0"/>
-              <a:t/>
-            </a:r>
-            <a:br>
-              <a:rPr lang="en-US" dirty="0"/>
-            </a:br>
-            <a:r>
-              <a:rPr lang="en-US" dirty="0"/>
-              <a:t>This closure must return: a modified or wrapped </a:t>
-            </a:r>
-            <a:r>
-              <a:rPr lang="en-US" dirty="0" err="1"/>
-              <a:t>RequestContext</a:t>
-            </a:r>
-            <a:r>
-              <a:rPr lang="en-US" dirty="0"/>
-              <a:t> implementation, or null.</a:t>
-            </a:r>
-            <a:endParaRPr lang="en-US" dirty="0" smtClean="0"/>
-          </a:p>
-          <a:p>
-            <a:pPr marL="0" indent="0">
-              <a:buNone/>
-            </a:pPr>
-            <a:endParaRPr lang="en-US" dirty="0" smtClean="0"/>
+            <a:endParaRPr lang="en-US" dirty="0"/>
           </a:p>
         </p:txBody>
       </p:sp>
     </p:spTree>
     <p:extLst>
       <p:ext uri="{BB962C8B-B14F-4D97-AF65-F5344CB8AC3E}">
-        <p14:creationId xmlns:p14="http://schemas.microsoft.com/office/powerpoint/2010/main" val="3604702950"/>
+        <p14:creationId xmlns:p14="http://schemas.microsoft.com/office/powerpoint/2010/main" val="1474582483"/>
       </p:ext>
     </p:extLst>
   </p:cSld>
@@ -7388,15 +7636,15 @@
           <a:lstStyle/>
           <a:p>
             <a:r>
-              <a:rPr lang="en-US" dirty="0" smtClean="0"/>
+              <a:rPr lang="en-US" dirty="0"/>
               <a:t>gServ</a:t>
             </a:r>
             <a:br>
-              <a:rPr lang="en-US" dirty="0" smtClean="0"/>
+              <a:rPr lang="en-US" dirty="0"/>
             </a:br>
             <a:r>
               <a:rPr lang="en-US" dirty="0" smtClean="0"/>
-              <a:t>“After” Filters</a:t>
+              <a:t>Advanced Concepts</a:t>
             </a:r>
             <a:endParaRPr lang="en-US" dirty="0"/>
           </a:p>
@@ -7417,86 +7665,32 @@
           <a:bodyPr/>
           <a:lstStyle/>
           <a:p>
-            <a:endParaRPr lang="en-US" dirty="0" smtClean="0"/>
-          </a:p>
-          <a:p>
-            <a:pPr marL="0" indent="0">
-              <a:buNone/>
-            </a:pPr>
-            <a:r>
-              <a:rPr lang="en-US" dirty="0" err="1"/>
-              <a:t>gServ.http</a:t>
-            </a:r>
-            <a:r>
-              <a:rPr lang="en-US" dirty="0"/>
-              <a:t> {</a:t>
-            </a:r>
-          </a:p>
-          <a:p>
-            <a:pPr marL="457200" lvl="1" indent="0">
-              <a:buNone/>
-            </a:pPr>
-            <a:r>
-              <a:rPr lang="en-US" dirty="0" smtClean="0"/>
-              <a:t>after( </a:t>
-            </a:r>
-            <a:r>
-              <a:rPr lang="en-US" dirty="0"/>
-              <a:t>‘</a:t>
-            </a:r>
-            <a:r>
-              <a:rPr lang="en-US" dirty="0" err="1"/>
-              <a:t>securityFilter</a:t>
-            </a:r>
-            <a:r>
-              <a:rPr lang="en-US" dirty="0"/>
-              <a:t>’, ‘/secured/*’, </a:t>
-            </a:r>
-          </a:p>
-          <a:p>
-            <a:pPr marL="457200" lvl="1" indent="0">
-              <a:buNone/>
-            </a:pPr>
-            <a:r>
-              <a:rPr lang="en-US" dirty="0"/>
-              <a:t>	[‘PUT’,’POST’], </a:t>
-            </a:r>
-            <a:r>
-              <a:rPr lang="en-US" dirty="0" smtClean="0"/>
-              <a:t>[:], </a:t>
-            </a:r>
-            <a:endParaRPr lang="en-US" dirty="0"/>
-          </a:p>
-          <a:p>
-            <a:pPr marL="457200" lvl="1" indent="0">
-              <a:buNone/>
-            </a:pPr>
-            <a:r>
-              <a:rPr lang="en-US" dirty="0"/>
-              <a:t>	5, </a:t>
-            </a:r>
-            <a:r>
-              <a:rPr lang="en-US" dirty="0" err="1" smtClean="0"/>
-              <a:t>afterFunction</a:t>
-            </a:r>
-            <a:r>
-              <a:rPr lang="en-US" dirty="0"/>
-              <a:t>)</a:t>
-            </a:r>
-          </a:p>
-          <a:p>
-            <a:pPr marL="0" indent="0">
-              <a:buNone/>
-            </a:pPr>
-            <a:r>
-              <a:rPr lang="en-US" dirty="0"/>
-              <a:t>}</a:t>
-            </a:r>
-          </a:p>
-          <a:p>
-            <a:pPr marL="0" indent="0">
-              <a:buNone/>
-            </a:pPr>
+            <a:r>
+              <a:rPr lang="en-US" dirty="0" smtClean="0"/>
+              <a:t>De-coupling </a:t>
+            </a:r>
+            <a:r>
+              <a:rPr lang="en-US" dirty="0"/>
+              <a:t>Resources &amp; </a:t>
+            </a:r>
+            <a:r>
+              <a:rPr lang="en-US" dirty="0" smtClean="0"/>
+              <a:t>Services</a:t>
+            </a:r>
+          </a:p>
+          <a:p>
+            <a:r>
+              <a:rPr lang="en-US" dirty="0" smtClean="0"/>
+              <a:t>Basic Authentication</a:t>
+            </a:r>
+          </a:p>
+          <a:p>
+            <a:r>
+              <a:rPr lang="en-US" dirty="0" smtClean="0"/>
+              <a:t>Action Unit Testing</a:t>
+            </a:r>
+          </a:p>
+          <a:p>
             <a:endParaRPr lang="en-US" dirty="0"/>
           </a:p>
         </p:txBody>
@@ -7504,20 +7698,13 @@
     </p:spTree>
     <p:extLst>
       <p:ext uri="{BB962C8B-B14F-4D97-AF65-F5344CB8AC3E}">
-        <p14:creationId xmlns:p14="http://schemas.microsoft.com/office/powerpoint/2010/main" val="2695288156"/>
+        <p14:creationId xmlns:p14="http://schemas.microsoft.com/office/powerpoint/2010/main" val="1263475501"/>
       </p:ext>
     </p:extLst>
   </p:cSld>
   <p:clrMapOvr>
     <a:masterClrMapping/>
   </p:clrMapOvr>
-  <p:timing>
-    <p:tnLst>
-      <p:par>
-        <p:cTn id="1" dur="indefinite" restart="never" nodeType="tmRoot"/>
-      </p:par>
-    </p:tnLst>
-  </p:timing>
 </p:sld>
 </file>
 
@@ -7716,13 +7903,13 @@
         </p:nvSpPr>
         <p:spPr>
           <a:xfrm>
-            <a:off x="1103312" y="2048436"/>
+            <a:off x="1001712" y="2079698"/>
             <a:ext cx="8946541" cy="4195481"/>
           </a:xfrm>
         </p:spPr>
         <p:txBody>
           <a:bodyPr>
-            <a:normAutofit lnSpcReduction="10000"/>
+            <a:normAutofit fontScale="92500" lnSpcReduction="10000"/>
           </a:bodyPr>
           <a:lstStyle/>
           <a:p>
@@ -7739,12 +7926,45 @@
               <a:buNone/>
             </a:pPr>
             <a:r>
+              <a:rPr lang="en-US" dirty="0"/>
+              <a:t>	</a:t>
+            </a:r>
+            <a:r>
+              <a:rPr lang="en-US" sz="1500" dirty="0" smtClean="0"/>
+              <a:t>//</a:t>
+            </a:r>
+            <a:r>
+              <a:rPr lang="en-US" sz="1500" dirty="0"/>
+              <a:t> GET  can be performed without any authentication.</a:t>
+            </a:r>
+            <a:r>
+              <a:rPr lang="en-US" sz="1500" dirty="0" smtClean="0"/>
+              <a:t> </a:t>
+            </a:r>
+          </a:p>
+          <a:p>
+            <a:pPr marL="0" indent="0">
+              <a:buNone/>
+            </a:pPr>
+            <a:r>
               <a:rPr lang="en-US" sz="1400" dirty="0"/>
-              <a:t>	get(‘/:id</a:t>
+              <a:t>	</a:t>
             </a:r>
             <a:r>
               <a:rPr lang="en-US" sz="1400" dirty="0" smtClean="0"/>
-              <a:t>’){ id -&gt;</a:t>
+              <a:t>get ‘/:</a:t>
+            </a:r>
+            <a:r>
+              <a:rPr lang="en-US" sz="1400" dirty="0"/>
+              <a:t>id</a:t>
+            </a:r>
+            <a:r>
+              <a:rPr lang="en-US" sz="1400" dirty="0" smtClean="0"/>
+              <a:t>’, { </a:t>
+            </a:r>
+            <a:r>
+              <a:rPr lang="en-US" sz="1400" dirty="0" smtClean="0"/>
+              <a:t>id -&gt;</a:t>
             </a:r>
           </a:p>
           <a:p>
@@ -7769,7 +7989,6 @@
               <a:rPr lang="en-US" sz="1400" dirty="0" smtClean="0"/>
               <a:t>}</a:t>
             </a:r>
-            <a:endParaRPr lang="en-US" sz="1400" dirty="0"/>
           </a:p>
           <a:p>
             <a:pPr marL="0" indent="0">
@@ -7781,16 +8000,9 @@
             </a:r>
             <a:r>
               <a:rPr lang="en-US" sz="1400" dirty="0" smtClean="0"/>
-              <a:t>post</a:t>
-            </a:r>
-            <a:r>
-              <a:rPr lang="en-US" sz="1400" dirty="0"/>
-              <a:t>(‘/:id</a:t>
-            </a:r>
-            <a:r>
-              <a:rPr lang="en-US" sz="1400" dirty="0" smtClean="0"/>
-              <a:t>’){ id -&gt;</a:t>
-            </a:r>
+              <a:t>// POST method is protected by Basic Authentication</a:t>
+            </a:r>
+            <a:endParaRPr lang="en-US" sz="1400" dirty="0"/>
           </a:p>
           <a:p>
             <a:pPr marL="0" indent="0">
@@ -7802,9 +8014,28 @@
             </a:r>
             <a:r>
               <a:rPr lang="en-US" sz="1400" dirty="0" smtClean="0"/>
-              <a:t>	…</a:t>
-            </a:r>
-            <a:endParaRPr lang="en-US" sz="1400" dirty="0"/>
+              <a:t>post</a:t>
+            </a:r>
+            <a:r>
+              <a:rPr lang="en-US" sz="1400" dirty="0"/>
+              <a:t> </a:t>
+            </a:r>
+            <a:r>
+              <a:rPr lang="en-US" sz="1400" dirty="0" smtClean="0"/>
+              <a:t>‘/:</a:t>
+            </a:r>
+            <a:r>
+              <a:rPr lang="en-US" sz="1400" dirty="0"/>
+              <a:t>id</a:t>
+            </a:r>
+            <a:r>
+              <a:rPr lang="en-US" sz="1400" dirty="0" smtClean="0"/>
+              <a:t>’,  { </a:t>
+            </a:r>
+            <a:r>
+              <a:rPr lang="en-US" sz="1400" dirty="0" smtClean="0"/>
+              <a:t>id -&gt;</a:t>
+            </a:r>
           </a:p>
           <a:p>
             <a:pPr marL="0" indent="0">
@@ -7816,8 +8047,9 @@
             </a:r>
             <a:r>
               <a:rPr lang="en-US" sz="1400" dirty="0" smtClean="0"/>
-              <a:t>}</a:t>
-            </a:r>
+              <a:t>	…</a:t>
+            </a:r>
+            <a:endParaRPr lang="en-US" sz="1400" dirty="0"/>
           </a:p>
           <a:p>
             <a:pPr marL="0" indent="0">
@@ -7828,12 +8060,29 @@
               <a:t>	</a:t>
             </a:r>
             <a:r>
-              <a:rPr lang="en-US" sz="1400" dirty="0" err="1"/>
+              <a:rPr lang="en-US" sz="1400" dirty="0" smtClean="0"/>
+              <a:t>}</a:t>
+            </a:r>
+          </a:p>
+          <a:p>
+            <a:pPr marL="0" indent="0">
+              <a:buNone/>
+            </a:pPr>
+            <a:r>
+              <a:rPr lang="en-US" sz="1400" dirty="0"/>
+              <a:t>	</a:t>
+            </a:r>
+            <a:r>
+              <a:rPr lang="en-US" sz="1400" dirty="0" err="1" smtClean="0"/>
               <a:t>basicAuthentication</a:t>
             </a:r>
             <a:r>
+              <a:rPr lang="en-US" sz="1400" dirty="0"/>
+              <a:t> </a:t>
+            </a:r>
+            <a:r>
               <a:rPr lang="en-US" sz="1400" dirty="0" smtClean="0"/>
-              <a:t>(["</a:t>
+              <a:t> ["</a:t>
             </a:r>
             <a:r>
               <a:rPr lang="en-US" sz="1400" dirty="0"/>
@@ -7844,12 +8093,12 @@
               <a:t>"], "/:id","</a:t>
             </a:r>
             <a:r>
-              <a:rPr lang="en-US" sz="1400" dirty="0" err="1"/>
+              <a:rPr lang="en-US" sz="1400" dirty="0" err="1" smtClean="0"/>
               <a:t>testRealm</a:t>
             </a:r>
             <a:r>
-              <a:rPr lang="en-US" sz="1400" dirty="0"/>
-              <a:t>") { </a:t>
+              <a:rPr lang="en-US" sz="1400" dirty="0" smtClean="0"/>
+              <a:t>“, { </a:t>
             </a:r>
             <a:r>
               <a:rPr lang="en-US" sz="1400" dirty="0" smtClean="0"/>
@@ -7898,31 +8147,6 @@
             <a:r>
               <a:rPr lang="en-US" dirty="0" smtClean="0"/>
               <a:t>}</a:t>
-            </a:r>
-          </a:p>
-          <a:p>
-            <a:pPr marL="0" indent="0">
-              <a:buNone/>
-            </a:pPr>
-            <a:r>
-              <a:rPr lang="en-US" sz="1400" dirty="0" smtClean="0"/>
-              <a:t>The above server </a:t>
-            </a:r>
-            <a:r>
-              <a:rPr lang="en-US" sz="1400" dirty="0" err="1" smtClean="0"/>
-              <a:t>config</a:t>
-            </a:r>
-            <a:r>
-              <a:rPr lang="en-US" sz="1400" dirty="0" smtClean="0"/>
-              <a:t> defines 2 actions with </a:t>
-            </a:r>
-            <a:r>
-              <a:rPr lang="en-US" sz="1400" dirty="0" err="1" smtClean="0"/>
-              <a:t>BasicAuthentication</a:t>
-            </a:r>
-            <a:r>
-              <a:rPr lang="en-US" sz="1400" dirty="0" smtClean="0"/>
-              <a:t> protecting the POST method. A GET  can be performed without any authentication.</a:t>
             </a:r>
           </a:p>
           <a:p>
@@ -8089,7 +8313,7 @@
             </a:br>
             <a:r>
               <a:rPr lang="en-US" dirty="0" smtClean="0"/>
-              <a:t>Plugins</a:t>
+              <a:t>Unit Testing Your Actions</a:t>
             </a:r>
             <a:endParaRPr lang="en-US" dirty="0"/>
           </a:p>
@@ -8107,12 +8331,24 @@
         </p:nvSpPr>
         <p:spPr/>
         <p:txBody>
-          <a:bodyPr/>
+          <a:bodyPr>
+            <a:normAutofit fontScale="40000" lnSpcReduction="20000"/>
+          </a:bodyPr>
           <a:lstStyle/>
           <a:p>
             <a:r>
               <a:rPr lang="en-US" dirty="0" smtClean="0"/>
-              <a:t>gServ plugins extend the functionality of gServ in various ways. </a:t>
+              <a:t>gserv-test</a:t>
+            </a:r>
+          </a:p>
+          <a:p>
+            <a:r>
+              <a:rPr lang="en-US" dirty="0"/>
+              <a:t> </a:t>
+            </a:r>
+            <a:r>
+              <a:rPr lang="en-US" dirty="0" smtClean="0"/>
+              <a:t>JUnit example:</a:t>
             </a:r>
           </a:p>
           <a:p>
@@ -8121,20 +8357,271 @@
             </a:pPr>
             <a:r>
               <a:rPr lang="en-US" dirty="0" smtClean="0"/>
-              <a:t>A plugin may:</a:t>
+              <a:t>Class </a:t>
+            </a:r>
+            <a:r>
+              <a:rPr lang="en-US" dirty="0" err="1" smtClean="0"/>
+              <a:t>SampleTest</a:t>
+            </a:r>
+            <a:r>
+              <a:rPr lang="en-US" dirty="0" smtClean="0"/>
+              <a:t> {</a:t>
             </a:r>
           </a:p>
           <a:p>
             <a:pPr marL="457200" lvl="1" indent="0">
+              <a:lnSpc>
+                <a:spcPts val="200"/>
+              </a:lnSpc>
               <a:buNone/>
             </a:pPr>
             <a:r>
-              <a:rPr lang="en-US" dirty="0"/>
+              <a:rPr lang="en-US" dirty="0" smtClean="0"/>
+              <a:t>    </a:t>
+            </a:r>
+            <a:r>
+              <a:rPr lang="en-US" dirty="0" err="1" smtClean="0"/>
+              <a:t>GServResource</a:t>
+            </a:r>
+            <a:r>
+              <a:rPr lang="en-US" dirty="0" smtClean="0"/>
+              <a:t>  </a:t>
+            </a:r>
+            <a:r>
+              <a:rPr lang="en-US" dirty="0"/>
+              <a:t>res =  </a:t>
+            </a:r>
+            <a:r>
+              <a:rPr lang="en-US" dirty="0" err="1"/>
+              <a:t>GServ.Resource</a:t>
+            </a:r>
+            <a:r>
+              <a:rPr lang="en-US" dirty="0"/>
+              <a:t>("/app"){</a:t>
+            </a:r>
+          </a:p>
+          <a:p>
+            <a:pPr marL="457200" lvl="1" indent="0">
+              <a:lnSpc>
+                <a:spcPts val="200"/>
+              </a:lnSpc>
+              <a:buNone/>
+            </a:pPr>
+            <a:r>
+              <a:rPr lang="en-US" dirty="0"/>
+              <a:t>    </a:t>
+            </a:r>
+            <a:r>
+              <a:rPr lang="en-US" dirty="0" smtClean="0"/>
+              <a:t>	 get </a:t>
+            </a:r>
+            <a:r>
+              <a:rPr lang="en-US" dirty="0"/>
+              <a:t>('/'){</a:t>
+            </a:r>
+          </a:p>
+          <a:p>
+            <a:pPr marL="457200" lvl="1" indent="0">
+              <a:lnSpc>
+                <a:spcPts val="200"/>
+              </a:lnSpc>
+              <a:buNone/>
+            </a:pPr>
+            <a:r>
+              <a:rPr lang="en-US" dirty="0"/>
+              <a:t>            </a:t>
+            </a:r>
+            <a:r>
+              <a:rPr lang="en-US" dirty="0" smtClean="0"/>
+              <a:t>		header</a:t>
+            </a:r>
+            <a:r>
+              <a:rPr lang="en-US" dirty="0"/>
+              <a:t>("Content-Type", "text/plain")</a:t>
+            </a:r>
+          </a:p>
+          <a:p>
+            <a:pPr marL="457200" lvl="1" indent="0">
+              <a:lnSpc>
+                <a:spcPts val="200"/>
+              </a:lnSpc>
+              <a:buNone/>
+            </a:pPr>
+            <a:r>
+              <a:rPr lang="en-US" dirty="0"/>
+              <a:t>            </a:t>
+            </a:r>
+            <a:r>
+              <a:rPr lang="en-US" dirty="0" smtClean="0"/>
+              <a:t>		write </a:t>
+            </a:r>
+            <a:r>
+              <a:rPr lang="en-US" dirty="0"/>
+              <a:t>"Hello"</a:t>
+            </a:r>
+          </a:p>
+          <a:p>
+            <a:pPr marL="457200" lvl="1" indent="0">
+              <a:lnSpc>
+                <a:spcPts val="200"/>
+              </a:lnSpc>
+              <a:buNone/>
+            </a:pPr>
+            <a:r>
+              <a:rPr lang="en-US" dirty="0"/>
+              <a:t>        </a:t>
+            </a:r>
+            <a:r>
+              <a:rPr lang="en-US" dirty="0" smtClean="0"/>
+              <a:t>	}</a:t>
+            </a:r>
+            <a:endParaRPr lang="en-US" dirty="0"/>
+          </a:p>
+          <a:p>
+            <a:pPr marL="457200" lvl="1" indent="0">
+              <a:lnSpc>
+                <a:spcPts val="200"/>
+              </a:lnSpc>
+              <a:buNone/>
+            </a:pPr>
+            <a:r>
+              <a:rPr lang="en-US" dirty="0"/>
+              <a:t> </a:t>
+            </a:r>
+            <a:r>
+              <a:rPr lang="en-US" dirty="0" smtClean="0"/>
+              <a:t>   }</a:t>
+            </a:r>
+            <a:endParaRPr lang="en-US" dirty="0"/>
+          </a:p>
+          <a:p>
+            <a:pPr marL="457200" lvl="1" indent="0">
+              <a:buNone/>
+            </a:pPr>
+            <a:r>
+              <a:rPr lang="en-US" dirty="0"/>
+              <a:t>    @Test</a:t>
+            </a:r>
+          </a:p>
+          <a:p>
+            <a:pPr marL="457200" lvl="1" indent="0">
+              <a:buNone/>
+            </a:pPr>
+            <a:r>
+              <a:rPr lang="en-US" dirty="0"/>
+              <a:t>    void </a:t>
+            </a:r>
+            <a:r>
+              <a:rPr lang="en-US" dirty="0" err="1"/>
+              <a:t>testFluentSample</a:t>
+            </a:r>
+            <a:r>
+              <a:rPr lang="en-US" dirty="0"/>
+              <a:t>() {</a:t>
+            </a:r>
+          </a:p>
+          <a:p>
+            <a:pPr marL="457200" lvl="1" indent="0">
+              <a:buNone/>
+            </a:pPr>
+            <a:r>
+              <a:rPr lang="en-US" dirty="0" smtClean="0"/>
+              <a:t>	def </a:t>
+            </a:r>
+            <a:r>
+              <a:rPr lang="en-US" dirty="0" err="1"/>
+              <a:t>gServFactory</a:t>
+            </a:r>
+            <a:r>
+              <a:rPr lang="en-US" dirty="0"/>
+              <a:t> = new </a:t>
+            </a:r>
+            <a:r>
+              <a:rPr lang="en-US" dirty="0" err="1"/>
+              <a:t>GServFactory</a:t>
+            </a:r>
+            <a:r>
+              <a:rPr lang="en-US" dirty="0"/>
+              <a:t>()</a:t>
+            </a:r>
+          </a:p>
+          <a:p>
+            <a:pPr marL="457200" lvl="1" indent="0">
+              <a:buNone/>
+            </a:pPr>
+            <a:r>
+              <a:rPr lang="en-US" dirty="0"/>
+              <a:t>        </a:t>
+            </a:r>
+            <a:r>
+              <a:rPr lang="en-US" dirty="0" smtClean="0"/>
+              <a:t>	def </a:t>
+            </a:r>
+            <a:r>
+              <a:rPr lang="en-US" dirty="0" err="1"/>
+              <a:t>cfg</a:t>
+            </a:r>
+            <a:r>
+              <a:rPr lang="en-US" dirty="0"/>
+              <a:t> = </a:t>
+            </a:r>
+            <a:r>
+              <a:rPr lang="en-US" dirty="0" err="1"/>
+              <a:t>gServFactory.createGServConfig</a:t>
+            </a:r>
+            <a:r>
+              <a:rPr lang="en-US" dirty="0"/>
+              <a:t>(</a:t>
+            </a:r>
+            <a:r>
+              <a:rPr lang="en-US" dirty="0" err="1"/>
+              <a:t>res.actions</a:t>
+            </a:r>
+            <a:r>
+              <a:rPr lang="en-US" dirty="0" smtClean="0"/>
+              <a:t>)</a:t>
+            </a:r>
+            <a:endParaRPr lang="en-US" dirty="0"/>
+          </a:p>
+          <a:p>
+            <a:pPr marL="457200" lvl="1" indent="0">
+              <a:buNone/>
+            </a:pPr>
+            <a:r>
+              <a:rPr lang="en-US" dirty="0"/>
+              <a:t>        </a:t>
+            </a:r>
+            <a:r>
+              <a:rPr lang="en-US" dirty="0" smtClean="0"/>
               <a:t>	</a:t>
             </a:r>
             <a:r>
-              <a:rPr lang="en-US" dirty="0" smtClean="0"/>
-              <a:t>- Create filters</a:t>
+              <a:rPr lang="en-US" dirty="0" err="1" smtClean="0"/>
+              <a:t>InstanceTester</a:t>
+            </a:r>
+            <a:r>
+              <a:rPr lang="en-US" dirty="0" smtClean="0"/>
+              <a:t> </a:t>
+            </a:r>
+            <a:r>
+              <a:rPr lang="en-US" dirty="0"/>
+              <a:t>t = new </a:t>
+            </a:r>
+            <a:r>
+              <a:rPr lang="en-US" dirty="0" err="1"/>
+              <a:t>InstanceTester</a:t>
+            </a:r>
+            <a:r>
+              <a:rPr lang="en-US" dirty="0"/>
+              <a:t>(</a:t>
+            </a:r>
+            <a:r>
+              <a:rPr lang="en-US" dirty="0" err="1"/>
+              <a:t>cfg</a:t>
+            </a:r>
+            <a:r>
+              <a:rPr lang="en-US" dirty="0"/>
+              <a:t>)</a:t>
             </a:r>
           </a:p>
           <a:p>
@@ -8143,105 +8630,144 @@
             </a:pPr>
             <a:r>
               <a:rPr lang="en-US" dirty="0"/>
+              <a:t>        </a:t>
+            </a:r>
+            <a:r>
+              <a:rPr lang="en-US" dirty="0" smtClean="0"/>
+              <a:t>	Response </a:t>
+            </a:r>
+            <a:r>
+              <a:rPr lang="en-US" dirty="0"/>
+              <a:t>r = </a:t>
+            </a:r>
+            <a:r>
+              <a:rPr lang="en-US" dirty="0" err="1"/>
+              <a:t>t.createTest</a:t>
+            </a:r>
+            <a:r>
+              <a:rPr lang="en-US" dirty="0" smtClean="0"/>
+              <a:t>().</a:t>
+            </a:r>
+            <a:r>
+              <a:rPr lang="en-US" dirty="0"/>
+              <a:t>method( "GET" </a:t>
+            </a:r>
+            <a:r>
+              <a:rPr lang="en-US" dirty="0" smtClean="0"/>
+              <a:t>).path</a:t>
+            </a:r>
+            <a:r>
+              <a:rPr lang="en-US" dirty="0"/>
+              <a:t>( '/app' </a:t>
+            </a:r>
+            <a:r>
+              <a:rPr lang="en-US" dirty="0" smtClean="0"/>
+              <a:t>).run</a:t>
+            </a:r>
+            <a:r>
+              <a:rPr lang="en-US" dirty="0"/>
+              <a:t>()</a:t>
+            </a:r>
+          </a:p>
+          <a:p>
+            <a:pPr marL="457200" lvl="1" indent="0">
+              <a:buNone/>
+            </a:pPr>
+            <a:r>
+              <a:rPr lang="en-US" dirty="0"/>
+              <a:t>        </a:t>
+            </a:r>
+            <a:r>
+              <a:rPr lang="en-US" dirty="0" smtClean="0"/>
               <a:t>	</a:t>
             </a:r>
             <a:r>
-              <a:rPr lang="en-US" dirty="0" smtClean="0"/>
-              <a:t>- Add functions to a configuration closure</a:t>
-            </a:r>
-            <a:endParaRPr lang="en-US" dirty="0"/>
-          </a:p>
-        </p:txBody>
-      </p:sp>
-    </p:spTree>
-    <p:extLst>
-      <p:ext uri="{BB962C8B-B14F-4D97-AF65-F5344CB8AC3E}">
-        <p14:creationId xmlns:p14="http://schemas.microsoft.com/office/powerpoint/2010/main" val="1474582483"/>
-      </p:ext>
-    </p:extLst>
-  </p:cSld>
-  <p:clrMapOvr>
-    <a:masterClrMapping/>
-  </p:clrMapOvr>
-  <p:timing>
-    <p:tnLst>
-      <p:par>
-        <p:cTn id="1" dur="indefinite" restart="never" nodeType="tmRoot"/>
-      </p:par>
-    </p:tnLst>
-  </p:timing>
-</p:sld>
-</file>
-
-<file path=ppt/slides/slide21.xml><?xml version="1.0" encoding="utf-8"?>
-<p:sld xmlns:a="http://schemas.openxmlformats.org/drawingml/2006/main" xmlns:r="http://schemas.openxmlformats.org/officeDocument/2006/relationships" xmlns:p="http://schemas.openxmlformats.org/presentationml/2006/main">
-  <p:cSld>
-    <p:spTree>
-      <p:nvGrpSpPr>
-        <p:cNvPr id="1" name=""/>
-        <p:cNvGrpSpPr/>
-        <p:nvPr/>
-      </p:nvGrpSpPr>
-      <p:grpSpPr>
-        <a:xfrm>
-          <a:off x="0" y="0"/>
-          <a:ext cx="0" cy="0"/>
-          <a:chOff x="0" y="0"/>
-          <a:chExt cx="0" cy="0"/>
-        </a:xfrm>
-      </p:grpSpPr>
-      <p:sp>
-        <p:nvSpPr>
-          <p:cNvPr id="2" name="Title 1"/>
-          <p:cNvSpPr>
-            <a:spLocks noGrp="1"/>
-          </p:cNvSpPr>
-          <p:nvPr>
-            <p:ph type="title"/>
-          </p:nvPr>
-        </p:nvSpPr>
-        <p:spPr/>
-        <p:txBody>
-          <a:bodyPr/>
-          <a:lstStyle/>
-          <a:p>
-            <a:r>
-              <a:rPr lang="en-US" dirty="0" smtClean="0"/>
-              <a:t>gServ</a:t>
-            </a:r>
-            <a:br>
-              <a:rPr lang="en-US" dirty="0" smtClean="0"/>
-            </a:br>
-            <a:r>
-              <a:rPr lang="en-US" dirty="0" smtClean="0"/>
-              <a:t>Unit Testing Your Actions</a:t>
-            </a:r>
-            <a:endParaRPr lang="en-US" dirty="0"/>
-          </a:p>
-        </p:txBody>
-      </p:sp>
-      <p:sp>
-        <p:nvSpPr>
-          <p:cNvPr id="3" name="Content Placeholder 2"/>
-          <p:cNvSpPr>
-            <a:spLocks noGrp="1"/>
-          </p:cNvSpPr>
-          <p:nvPr>
-            <p:ph idx="1"/>
-          </p:nvPr>
-        </p:nvSpPr>
-        <p:spPr/>
-        <p:txBody>
-          <a:bodyPr/>
-          <a:lstStyle/>
-          <a:p>
-            <a:r>
-              <a:rPr lang="en-US" dirty="0"/>
-              <a:t>g</a:t>
-            </a:r>
-            <a:r>
-              <a:rPr lang="en-US" dirty="0" smtClean="0"/>
-              <a:t>serv-test</a:t>
+              <a:rPr lang="en-US" dirty="0" err="1" smtClean="0"/>
+              <a:t>assertNotNull</a:t>
+            </a:r>
+            <a:r>
+              <a:rPr lang="en-US" dirty="0"/>
+              <a:t>( r )</a:t>
+            </a:r>
+          </a:p>
+          <a:p>
+            <a:pPr marL="457200" lvl="1" indent="0">
+              <a:buNone/>
+            </a:pPr>
+            <a:r>
+              <a:rPr lang="en-US" dirty="0"/>
+              <a:t>        </a:t>
+            </a:r>
+            <a:r>
+              <a:rPr lang="en-US" dirty="0" smtClean="0"/>
+              <a:t>	</a:t>
+            </a:r>
+            <a:r>
+              <a:rPr lang="en-US" dirty="0" err="1" smtClean="0"/>
+              <a:t>assertEquals</a:t>
+            </a:r>
+            <a:r>
+              <a:rPr lang="en-US" dirty="0"/>
+              <a:t>( </a:t>
+            </a:r>
+            <a:r>
+              <a:rPr lang="en-US" dirty="0" err="1"/>
+              <a:t>r.statusCode</a:t>
+            </a:r>
+            <a:r>
+              <a:rPr lang="en-US" dirty="0"/>
+              <a:t>, 200 )</a:t>
+            </a:r>
+          </a:p>
+          <a:p>
+            <a:pPr marL="457200" lvl="1" indent="0">
+              <a:buNone/>
+            </a:pPr>
+            <a:r>
+              <a:rPr lang="en-US" dirty="0"/>
+              <a:t>        </a:t>
+            </a:r>
+            <a:r>
+              <a:rPr lang="en-US" dirty="0" smtClean="0"/>
+              <a:t>	</a:t>
+            </a:r>
+            <a:r>
+              <a:rPr lang="en-US" dirty="0" err="1" smtClean="0"/>
+              <a:t>assertEquals</a:t>
+            </a:r>
+            <a:r>
+              <a:rPr lang="en-US" dirty="0"/>
+              <a:t>( new String( </a:t>
+            </a:r>
+            <a:r>
+              <a:rPr lang="en-US" dirty="0" err="1"/>
+              <a:t>r.output</a:t>
+            </a:r>
+            <a:r>
+              <a:rPr lang="en-US" dirty="0"/>
+              <a:t> ), "Hello" )</a:t>
+            </a:r>
+          </a:p>
+          <a:p>
+            <a:pPr marL="457200" lvl="1" indent="0">
+              <a:buNone/>
+            </a:pPr>
+            <a:r>
+              <a:rPr lang="en-US" dirty="0"/>
+              <a:t>    </a:t>
+            </a:r>
+            <a:r>
+              <a:rPr lang="en-US" dirty="0" smtClean="0"/>
+              <a:t>}</a:t>
+            </a:r>
+          </a:p>
+          <a:p>
+            <a:pPr marL="457200" lvl="1" indent="0">
+              <a:buNone/>
+            </a:pPr>
+            <a:r>
+              <a:rPr lang="en-US" dirty="0" smtClean="0"/>
+              <a:t>}</a:t>
             </a:r>
             <a:endParaRPr lang="en-US" dirty="0"/>
           </a:p>
@@ -8267,382 +8793,7 @@
 </p:sld>
 </file>
 
-<file path=ppt/slides/slide3.xml><?xml version="1.0" encoding="utf-8"?>
-<p:sld xmlns:a="http://schemas.openxmlformats.org/drawingml/2006/main" xmlns:r="http://schemas.openxmlformats.org/officeDocument/2006/relationships" xmlns:p="http://schemas.openxmlformats.org/presentationml/2006/main">
-  <p:cSld>
-    <p:spTree>
-      <p:nvGrpSpPr>
-        <p:cNvPr id="1" name=""/>
-        <p:cNvGrpSpPr/>
-        <p:nvPr/>
-      </p:nvGrpSpPr>
-      <p:grpSpPr>
-        <a:xfrm>
-          <a:off x="0" y="0"/>
-          <a:ext cx="0" cy="0"/>
-          <a:chOff x="0" y="0"/>
-          <a:chExt cx="0" cy="0"/>
-        </a:xfrm>
-      </p:grpSpPr>
-      <p:sp>
-        <p:nvSpPr>
-          <p:cNvPr id="2" name="Title 1"/>
-          <p:cNvSpPr>
-            <a:spLocks noGrp="1"/>
-          </p:cNvSpPr>
-          <p:nvPr>
-            <p:ph type="title"/>
-          </p:nvPr>
-        </p:nvSpPr>
-        <p:spPr/>
-        <p:txBody>
-          <a:bodyPr/>
-          <a:lstStyle/>
-          <a:p>
-            <a:r>
-              <a:rPr lang="en-US" dirty="0" smtClean="0"/>
-              <a:t>gServ </a:t>
-            </a:r>
-            <a:br>
-              <a:rPr lang="en-US" dirty="0" smtClean="0"/>
-            </a:br>
-            <a:r>
-              <a:rPr lang="en-US" dirty="0" smtClean="0"/>
-              <a:t>Main Concepts</a:t>
-            </a:r>
-            <a:endParaRPr lang="en-US" dirty="0"/>
-          </a:p>
-        </p:txBody>
-      </p:sp>
-      <p:sp>
-        <p:nvSpPr>
-          <p:cNvPr id="3" name="Content Placeholder 2"/>
-          <p:cNvSpPr>
-            <a:spLocks noGrp="1"/>
-          </p:cNvSpPr>
-          <p:nvPr>
-            <p:ph idx="1"/>
-          </p:nvPr>
-        </p:nvSpPr>
-        <p:spPr>
-          <a:xfrm>
-            <a:off x="1103312" y="2052918"/>
-            <a:ext cx="8946541" cy="4195481"/>
-          </a:xfrm>
-        </p:spPr>
-        <p:txBody>
-          <a:bodyPr/>
-          <a:lstStyle/>
-          <a:p>
-            <a:r>
-              <a:rPr lang="en-US" dirty="0" smtClean="0"/>
-              <a:t>Actions</a:t>
-            </a:r>
-          </a:p>
-          <a:p>
-            <a:r>
-              <a:rPr lang="en-US" dirty="0" smtClean="0"/>
-              <a:t>Resources</a:t>
-            </a:r>
-          </a:p>
-          <a:p>
-            <a:r>
-              <a:rPr lang="en-US" dirty="0" err="1" smtClean="0"/>
-              <a:t>ServiceInstance</a:t>
-            </a:r>
-            <a:endParaRPr lang="en-US" dirty="0" smtClean="0"/>
-          </a:p>
-          <a:p>
-            <a:r>
-              <a:rPr lang="en-US" dirty="0" smtClean="0"/>
-              <a:t>Filters</a:t>
-            </a:r>
-          </a:p>
-          <a:p>
-            <a:r>
-              <a:rPr lang="en-US" dirty="0" err="1" smtClean="0"/>
-              <a:t>BasicAuthentication</a:t>
-            </a:r>
-            <a:endParaRPr lang="en-US" dirty="0" smtClean="0"/>
-          </a:p>
-          <a:p>
-            <a:pPr lvl="1"/>
-            <a:r>
-              <a:rPr lang="en-US" dirty="0" smtClean="0"/>
-              <a:t>LDAP</a:t>
-            </a:r>
-            <a:endParaRPr lang="en-US" dirty="0"/>
-          </a:p>
-          <a:p>
-            <a:r>
-              <a:rPr lang="en-US" dirty="0" smtClean="0"/>
-              <a:t>Plugins</a:t>
-            </a:r>
-          </a:p>
-          <a:p>
-            <a:pPr lvl="1"/>
-            <a:endParaRPr lang="en-US" dirty="0" smtClean="0"/>
-          </a:p>
-        </p:txBody>
-      </p:sp>
-    </p:spTree>
-    <p:extLst>
-      <p:ext uri="{BB962C8B-B14F-4D97-AF65-F5344CB8AC3E}">
-        <p14:creationId xmlns:p14="http://schemas.microsoft.com/office/powerpoint/2010/main" val="57635579"/>
-      </p:ext>
-    </p:extLst>
-  </p:cSld>
-  <p:clrMapOvr>
-    <a:masterClrMapping/>
-  </p:clrMapOvr>
-  <p:timing>
-    <p:tnLst>
-      <p:par>
-        <p:cTn id="1" dur="indefinite" restart="never" nodeType="tmRoot"/>
-      </p:par>
-    </p:tnLst>
-  </p:timing>
-</p:sld>
-</file>
-
-<file path=ppt/slides/slide4.xml><?xml version="1.0" encoding="utf-8"?>
-<p:sld xmlns:a="http://schemas.openxmlformats.org/drawingml/2006/main" xmlns:r="http://schemas.openxmlformats.org/officeDocument/2006/relationships" xmlns:p="http://schemas.openxmlformats.org/presentationml/2006/main">
-  <p:cSld>
-    <p:spTree>
-      <p:nvGrpSpPr>
-        <p:cNvPr id="1" name=""/>
-        <p:cNvGrpSpPr/>
-        <p:nvPr/>
-      </p:nvGrpSpPr>
-      <p:grpSpPr>
-        <a:xfrm>
-          <a:off x="0" y="0"/>
-          <a:ext cx="0" cy="0"/>
-          <a:chOff x="0" y="0"/>
-          <a:chExt cx="0" cy="0"/>
-        </a:xfrm>
-      </p:grpSpPr>
-      <p:sp>
-        <p:nvSpPr>
-          <p:cNvPr id="2" name="Title 1"/>
-          <p:cNvSpPr>
-            <a:spLocks noGrp="1"/>
-          </p:cNvSpPr>
-          <p:nvPr>
-            <p:ph type="title"/>
-          </p:nvPr>
-        </p:nvSpPr>
-        <p:spPr/>
-        <p:txBody>
-          <a:bodyPr/>
-          <a:lstStyle/>
-          <a:p>
-            <a:r>
-              <a:rPr lang="en-US" dirty="0" smtClean="0"/>
-              <a:t>gServ</a:t>
-            </a:r>
-            <a:br>
-              <a:rPr lang="en-US" dirty="0" smtClean="0"/>
-            </a:br>
-            <a:r>
-              <a:rPr lang="en-US" dirty="0" smtClean="0"/>
-              <a:t>Action</a:t>
-            </a:r>
-            <a:endParaRPr lang="en-US" dirty="0"/>
-          </a:p>
-        </p:txBody>
-      </p:sp>
-      <p:sp>
-        <p:nvSpPr>
-          <p:cNvPr id="3" name="Content Placeholder 2"/>
-          <p:cNvSpPr>
-            <a:spLocks noGrp="1"/>
-          </p:cNvSpPr>
-          <p:nvPr>
-            <p:ph idx="1"/>
-          </p:nvPr>
-        </p:nvSpPr>
-        <p:spPr/>
-        <p:txBody>
-          <a:bodyPr/>
-          <a:lstStyle/>
-          <a:p>
-            <a:r>
-              <a:rPr lang="en-US" dirty="0" smtClean="0"/>
-              <a:t>An action is an HTTP </a:t>
-            </a:r>
-            <a:r>
-              <a:rPr lang="en-US" dirty="0"/>
-              <a:t>request handler for a particular path/query/method combination</a:t>
-            </a:r>
-            <a:r>
-              <a:rPr lang="en-US" dirty="0" smtClean="0"/>
-              <a:t>.</a:t>
-            </a:r>
-          </a:p>
-          <a:p>
-            <a:r>
-              <a:rPr lang="en-US" dirty="0" smtClean="0"/>
-              <a:t>Example:</a:t>
-            </a:r>
-          </a:p>
-          <a:p>
-            <a:pPr lvl="1"/>
-            <a:r>
-              <a:rPr lang="en-US" dirty="0" smtClean="0"/>
-              <a:t>get (“/inventory/:id”){ id -&gt;</a:t>
-            </a:r>
-          </a:p>
-          <a:p>
-            <a:pPr marL="914400" lvl="2" indent="0">
-              <a:buNone/>
-            </a:pPr>
-            <a:r>
-              <a:rPr lang="en-US" dirty="0"/>
-              <a:t>	</a:t>
-            </a:r>
-            <a:endParaRPr lang="en-US" dirty="0" smtClean="0"/>
-          </a:p>
-          <a:p>
-            <a:pPr marL="914400" lvl="2" indent="0">
-              <a:buNone/>
-            </a:pPr>
-            <a:r>
-              <a:rPr lang="en-US" dirty="0"/>
-              <a:t>}</a:t>
-            </a:r>
-          </a:p>
-        </p:txBody>
-      </p:sp>
-    </p:spTree>
-    <p:extLst>
-      <p:ext uri="{BB962C8B-B14F-4D97-AF65-F5344CB8AC3E}">
-        <p14:creationId xmlns:p14="http://schemas.microsoft.com/office/powerpoint/2010/main" val="546071517"/>
-      </p:ext>
-    </p:extLst>
-  </p:cSld>
-  <p:clrMapOvr>
-    <a:masterClrMapping/>
-  </p:clrMapOvr>
-  <p:timing>
-    <p:tnLst>
-      <p:par>
-        <p:cTn id="1" dur="indefinite" restart="never" nodeType="tmRoot"/>
-      </p:par>
-    </p:tnLst>
-  </p:timing>
-</p:sld>
-</file>
-
-<file path=ppt/slides/slide5.xml><?xml version="1.0" encoding="utf-8"?>
-<p:sld xmlns:a="http://schemas.openxmlformats.org/drawingml/2006/main" xmlns:r="http://schemas.openxmlformats.org/officeDocument/2006/relationships" xmlns:p="http://schemas.openxmlformats.org/presentationml/2006/main">
-  <p:cSld>
-    <p:spTree>
-      <p:nvGrpSpPr>
-        <p:cNvPr id="1" name=""/>
-        <p:cNvGrpSpPr/>
-        <p:nvPr/>
-      </p:nvGrpSpPr>
-      <p:grpSpPr>
-        <a:xfrm>
-          <a:off x="0" y="0"/>
-          <a:ext cx="0" cy="0"/>
-          <a:chOff x="0" y="0"/>
-          <a:chExt cx="0" cy="0"/>
-        </a:xfrm>
-      </p:grpSpPr>
-      <p:sp>
-        <p:nvSpPr>
-          <p:cNvPr id="2" name="Title 1"/>
-          <p:cNvSpPr>
-            <a:spLocks noGrp="1"/>
-          </p:cNvSpPr>
-          <p:nvPr>
-            <p:ph type="title"/>
-          </p:nvPr>
-        </p:nvSpPr>
-        <p:spPr/>
-        <p:txBody>
-          <a:bodyPr/>
-          <a:lstStyle/>
-          <a:p>
-            <a:r>
-              <a:rPr lang="en-US" dirty="0" smtClean="0"/>
-              <a:t>gServ Usage</a:t>
-            </a:r>
-            <a:br>
-              <a:rPr lang="en-US" dirty="0" smtClean="0"/>
-            </a:br>
-            <a:r>
-              <a:rPr lang="en-US" dirty="0" smtClean="0"/>
-              <a:t>Framework vs Standalone</a:t>
-            </a:r>
-            <a:endParaRPr lang="en-US" dirty="0"/>
-          </a:p>
-        </p:txBody>
-      </p:sp>
-      <p:sp>
-        <p:nvSpPr>
-          <p:cNvPr id="3" name="Content Placeholder 2"/>
-          <p:cNvSpPr>
-            <a:spLocks noGrp="1"/>
-          </p:cNvSpPr>
-          <p:nvPr>
-            <p:ph idx="1"/>
-          </p:nvPr>
-        </p:nvSpPr>
-        <p:spPr/>
-        <p:txBody>
-          <a:bodyPr/>
-          <a:lstStyle/>
-          <a:p>
-            <a:r>
-              <a:rPr lang="en-US" b="1" dirty="0" smtClean="0"/>
-              <a:t>gServ can be used in two ways:</a:t>
-            </a:r>
-          </a:p>
-          <a:p>
-            <a:endParaRPr lang="en-US" dirty="0" smtClean="0"/>
-          </a:p>
-          <a:p>
-            <a:r>
-              <a:rPr lang="en-US" dirty="0" smtClean="0"/>
-              <a:t>- As standalone application to deploy Groovy scripts as REST services</a:t>
-            </a:r>
-          </a:p>
-          <a:p>
-            <a:endParaRPr lang="en-US" dirty="0" smtClean="0"/>
-          </a:p>
-          <a:p>
-            <a:r>
-              <a:rPr lang="en-US" dirty="0" smtClean="0"/>
-              <a:t>- As a framework to embed in your application to expose new or existing functionality</a:t>
-            </a:r>
-            <a:endParaRPr lang="en-US" dirty="0"/>
-          </a:p>
-        </p:txBody>
-      </p:sp>
-    </p:spTree>
-    <p:extLst>
-      <p:ext uri="{BB962C8B-B14F-4D97-AF65-F5344CB8AC3E}">
-        <p14:creationId xmlns:p14="http://schemas.microsoft.com/office/powerpoint/2010/main" val="3147059511"/>
-      </p:ext>
-    </p:extLst>
-  </p:cSld>
-  <p:clrMapOvr>
-    <a:masterClrMapping/>
-  </p:clrMapOvr>
-  <p:timing>
-    <p:tnLst>
-      <p:par>
-        <p:cTn id="1" dur="indefinite" restart="never" nodeType="tmRoot"/>
-      </p:par>
-    </p:tnLst>
-  </p:timing>
-</p:sld>
-</file>
-
-<file path=ppt/slides/slide6.xml><?xml version="1.0" encoding="utf-8"?>
+<file path=ppt/slides/slide21.xml><?xml version="1.0" encoding="utf-8"?>
 <p:sld xmlns:a="http://schemas.openxmlformats.org/drawingml/2006/main" xmlns:r="http://schemas.openxmlformats.org/officeDocument/2006/relationships" xmlns:p="http://schemas.openxmlformats.org/presentationml/2006/main">
   <p:cSld>
     <p:spTree>
@@ -9194,7 +9345,7 @@
 </p:sld>
 </file>
 
-<file path=ppt/slides/slide7.xml><?xml version="1.0" encoding="utf-8"?>
+<file path=ppt/slides/slide3.xml><?xml version="1.0" encoding="utf-8"?>
 <p:sld xmlns:a="http://schemas.openxmlformats.org/drawingml/2006/main" xmlns:r="http://schemas.openxmlformats.org/officeDocument/2006/relationships" xmlns:p="http://schemas.openxmlformats.org/presentationml/2006/main">
   <p:cSld>
     <p:spTree>
@@ -9228,6 +9379,134 @@
           <a:p>
             <a:r>
               <a:rPr lang="en-US" dirty="0" smtClean="0"/>
+              <a:t>gServ </a:t>
+            </a:r>
+            <a:br>
+              <a:rPr lang="en-US" dirty="0" smtClean="0"/>
+            </a:br>
+            <a:r>
+              <a:rPr lang="en-US" dirty="0" smtClean="0"/>
+              <a:t>Main Concepts</a:t>
+            </a:r>
+            <a:endParaRPr lang="en-US" dirty="0"/>
+          </a:p>
+        </p:txBody>
+      </p:sp>
+      <p:sp>
+        <p:nvSpPr>
+          <p:cNvPr id="3" name="Content Placeholder 2"/>
+          <p:cNvSpPr>
+            <a:spLocks noGrp="1"/>
+          </p:cNvSpPr>
+          <p:nvPr>
+            <p:ph idx="1"/>
+          </p:nvPr>
+        </p:nvSpPr>
+        <p:spPr>
+          <a:xfrm>
+            <a:off x="1103312" y="2052918"/>
+            <a:ext cx="8946541" cy="4195481"/>
+          </a:xfrm>
+        </p:spPr>
+        <p:txBody>
+          <a:bodyPr/>
+          <a:lstStyle/>
+          <a:p>
+            <a:r>
+              <a:rPr lang="en-US" dirty="0" smtClean="0"/>
+              <a:t>Actions</a:t>
+            </a:r>
+          </a:p>
+          <a:p>
+            <a:r>
+              <a:rPr lang="en-US" dirty="0" smtClean="0"/>
+              <a:t>Resources</a:t>
+            </a:r>
+          </a:p>
+          <a:p>
+            <a:r>
+              <a:rPr lang="en-US" dirty="0" smtClean="0"/>
+              <a:t>Service Instance</a:t>
+            </a:r>
+          </a:p>
+          <a:p>
+            <a:r>
+              <a:rPr lang="en-US" dirty="0" smtClean="0"/>
+              <a:t>Filters</a:t>
+            </a:r>
+          </a:p>
+          <a:p>
+            <a:r>
+              <a:rPr lang="en-US" dirty="0" smtClean="0"/>
+              <a:t>URL/Action Matching</a:t>
+            </a:r>
+          </a:p>
+          <a:p>
+            <a:r>
+              <a:rPr lang="en-US" dirty="0" smtClean="0"/>
+              <a:t>Plugins</a:t>
+            </a:r>
+          </a:p>
+          <a:p>
+            <a:pPr lvl="1"/>
+            <a:endParaRPr lang="en-US" dirty="0" smtClean="0"/>
+          </a:p>
+        </p:txBody>
+      </p:sp>
+    </p:spTree>
+    <p:extLst>
+      <p:ext uri="{BB962C8B-B14F-4D97-AF65-F5344CB8AC3E}">
+        <p14:creationId xmlns:p14="http://schemas.microsoft.com/office/powerpoint/2010/main" val="57635579"/>
+      </p:ext>
+    </p:extLst>
+  </p:cSld>
+  <p:clrMapOvr>
+    <a:masterClrMapping/>
+  </p:clrMapOvr>
+  <p:timing>
+    <p:tnLst>
+      <p:par>
+        <p:cTn id="1" dur="indefinite" restart="never" nodeType="tmRoot"/>
+      </p:par>
+    </p:tnLst>
+  </p:timing>
+</p:sld>
+</file>
+
+<file path=ppt/slides/slide4.xml><?xml version="1.0" encoding="utf-8"?>
+<p:sld xmlns:a="http://schemas.openxmlformats.org/drawingml/2006/main" xmlns:r="http://schemas.openxmlformats.org/officeDocument/2006/relationships" xmlns:p="http://schemas.openxmlformats.org/presentationml/2006/main">
+  <p:cSld>
+    <p:spTree>
+      <p:nvGrpSpPr>
+        <p:cNvPr id="1" name=""/>
+        <p:cNvGrpSpPr/>
+        <p:nvPr/>
+      </p:nvGrpSpPr>
+      <p:grpSpPr>
+        <a:xfrm>
+          <a:off x="0" y="0"/>
+          <a:ext cx="0" cy="0"/>
+          <a:chOff x="0" y="0"/>
+          <a:chExt cx="0" cy="0"/>
+        </a:xfrm>
+      </p:grpSpPr>
+      <p:sp>
+        <p:nvSpPr>
+          <p:cNvPr id="2" name="Title 1"/>
+          <p:cNvSpPr>
+            <a:spLocks noGrp="1"/>
+          </p:cNvSpPr>
+          <p:nvPr>
+            <p:ph type="title"/>
+          </p:nvPr>
+        </p:nvSpPr>
+        <p:spPr/>
+        <p:txBody>
+          <a:bodyPr/>
+          <a:lstStyle/>
+          <a:p>
+            <a:r>
+              <a:rPr lang="en-US" dirty="0" smtClean="0"/>
               <a:t>gServ</a:t>
             </a:r>
             <a:br>
@@ -9251,7 +9530,12 @@
             <p:ph idx="1"/>
           </p:nvPr>
         </p:nvSpPr>
-        <p:spPr/>
+        <p:spPr>
+          <a:xfrm>
+            <a:off x="2431927" y="2185780"/>
+            <a:ext cx="8946541" cy="4195481"/>
+          </a:xfrm>
+        </p:spPr>
         <p:txBody>
           <a:bodyPr>
             <a:normAutofit fontScale="55000" lnSpcReduction="20000"/>
@@ -9305,7 +9589,23 @@
             </a:pPr>
             <a:r>
               <a:rPr lang="en-US" dirty="0" smtClean="0"/>
-              <a:t>	post (“/:id”) { instream, id -&gt;</a:t>
+              <a:t>	post </a:t>
+            </a:r>
+            <a:r>
+              <a:rPr lang="en-US" dirty="0" smtClean="0"/>
+              <a:t> “/:</a:t>
+            </a:r>
+            <a:r>
+              <a:rPr lang="en-US" dirty="0" smtClean="0"/>
+              <a:t>id</a:t>
+            </a:r>
+            <a:r>
+              <a:rPr lang="en-US" dirty="0" smtClean="0"/>
+              <a:t>” , </a:t>
+            </a:r>
+            <a:r>
+              <a:rPr lang="en-US" dirty="0" smtClean="0"/>
+              <a:t>{ instream, id -&gt;</a:t>
             </a:r>
           </a:p>
           <a:p>
@@ -9326,7 +9626,11 @@
             </a:r>
             <a:r>
               <a:rPr lang="en-US" dirty="0" smtClean="0"/>
-              <a:t>(instream)</a:t>
+              <a:t>( instream</a:t>
+            </a:r>
+            <a:r>
+              <a:rPr lang="en-US" dirty="0" smtClean="0"/>
+              <a:t>)</a:t>
             </a:r>
           </a:p>
           <a:p>
@@ -9364,8 +9668,9 @@
             </a:r>
             <a:r>
               <a:rPr lang="en-US" dirty="0" smtClean="0"/>
-              <a:t>(response)</a:t>
-            </a:r>
+              <a:t> response </a:t>
+            </a:r>
+            <a:endParaRPr lang="en-US" dirty="0" smtClean="0"/>
           </a:p>
           <a:p>
             <a:pPr marL="0" indent="0">
@@ -9405,7 +9710,11 @@
             </a:pPr>
             <a:r>
               <a:rPr lang="en-US" dirty="0" smtClean="0"/>
-              <a:t>	plugin ( “</a:t>
+              <a:t>	</a:t>
+            </a:r>
+            <a:r>
+              <a:rPr lang="en-US" dirty="0" smtClean="0"/>
+              <a:t>plugin  “</a:t>
             </a:r>
             <a:r>
               <a:rPr lang="en-US" dirty="0" err="1" smtClean="0"/>
@@ -9413,7 +9722,7 @@
             </a:r>
             <a:r>
               <a:rPr lang="en-US" dirty="0" smtClean="0"/>
-              <a:t>”, [:] )</a:t>
+              <a:t>”, [:] </a:t>
             </a:r>
           </a:p>
           <a:p>
@@ -9439,8 +9748,17 @@
             </a:r>
             <a:r>
               <a:rPr lang="en-US" dirty="0" smtClean="0"/>
-              <a:t>(“/public”)</a:t>
-            </a:r>
+              <a:t>  “/</a:t>
+            </a:r>
+            <a:r>
+              <a:rPr lang="en-US" dirty="0" smtClean="0"/>
+              <a:t>public</a:t>
+            </a:r>
+            <a:r>
+              <a:rPr lang="en-US" dirty="0" smtClean="0"/>
+              <a:t>” </a:t>
+            </a:r>
+            <a:endParaRPr lang="en-US" dirty="0" smtClean="0"/>
           </a:p>
           <a:p>
             <a:pPr marL="0" indent="0">
@@ -9489,7 +9807,7 @@
         </p:nvSpPr>
         <p:spPr>
           <a:xfrm>
-            <a:off x="4174394" y="1872419"/>
+            <a:off x="5557717" y="1986110"/>
             <a:ext cx="1766263" cy="402170"/>
           </a:xfrm>
           <a:prstGeom prst="wedgeRoundRectCallout">
@@ -9537,7 +9855,7 @@
         </p:nvSpPr>
         <p:spPr>
           <a:xfrm>
-            <a:off x="221021" y="2452254"/>
+            <a:off x="1604344" y="2565945"/>
             <a:ext cx="850179" cy="374073"/>
           </a:xfrm>
           <a:prstGeom prst="wedgeRoundRectCallout">
@@ -9585,7 +9903,7 @@
         </p:nvSpPr>
         <p:spPr>
           <a:xfrm>
-            <a:off x="3287735" y="3691172"/>
+            <a:off x="4671058" y="3804863"/>
             <a:ext cx="1818408" cy="612648"/>
           </a:xfrm>
           <a:prstGeom prst="wedgeRoundRectCallout">
@@ -9633,7 +9951,7 @@
         </p:nvSpPr>
         <p:spPr>
           <a:xfrm>
-            <a:off x="5216237" y="4467377"/>
+            <a:off x="6599560" y="4581068"/>
             <a:ext cx="2039956" cy="612648"/>
           </a:xfrm>
           <a:prstGeom prst="wedgeRoundRectCallout">
@@ -9681,7 +9999,7 @@
         </p:nvSpPr>
         <p:spPr>
           <a:xfrm>
-            <a:off x="5559136" y="5153206"/>
+            <a:off x="6942459" y="5266897"/>
             <a:ext cx="2839565" cy="511006"/>
           </a:xfrm>
           <a:prstGeom prst="wedgeRoundRectCallout">
@@ -9729,7 +10047,7 @@
         </p:nvSpPr>
         <p:spPr>
           <a:xfrm>
-            <a:off x="5576582" y="2330785"/>
+            <a:off x="6959905" y="2444476"/>
             <a:ext cx="1809862" cy="287724"/>
           </a:xfrm>
           <a:prstGeom prst="wedgeRoundRectCallout">
@@ -9777,7 +10095,7 @@
         </p:nvSpPr>
         <p:spPr>
           <a:xfrm>
-            <a:off x="3000316" y="5520537"/>
+            <a:off x="4328931" y="5653399"/>
             <a:ext cx="2348156" cy="612648"/>
           </a:xfrm>
           <a:prstGeom prst="wedgeRoundRectCallout">
@@ -9825,7 +10143,7 @@
         </p:nvSpPr>
         <p:spPr>
           <a:xfrm>
-            <a:off x="188911" y="4796061"/>
+            <a:off x="1572234" y="4909752"/>
             <a:ext cx="914400" cy="612648"/>
           </a:xfrm>
           <a:prstGeom prst="wedgeRoundRectCallout">
@@ -9865,10 +10183,721 @@
           </a:p>
         </p:txBody>
       </p:sp>
+      <p:sp>
+        <p:nvSpPr>
+          <p:cNvPr id="12" name="Rounded Rectangular Callout 11"/>
+          <p:cNvSpPr/>
+          <p:nvPr/>
+        </p:nvSpPr>
+        <p:spPr>
+          <a:xfrm>
+            <a:off x="6174470" y="2867273"/>
+            <a:ext cx="850179" cy="374073"/>
+          </a:xfrm>
+          <a:prstGeom prst="wedgeRoundRectCallout">
+            <a:avLst>
+              <a:gd name="adj1" fmla="val -216667"/>
+              <a:gd name="adj2" fmla="val -51603"/>
+              <a:gd name="adj3" fmla="val 16667"/>
+            </a:avLst>
+          </a:prstGeom>
+        </p:spPr>
+        <p:style>
+          <a:lnRef idx="2">
+            <a:schemeClr val="accent1">
+              <a:shade val="50000"/>
+            </a:schemeClr>
+          </a:lnRef>
+          <a:fillRef idx="1">
+            <a:schemeClr val="accent1"/>
+          </a:fillRef>
+          <a:effectRef idx="0">
+            <a:schemeClr val="accent1"/>
+          </a:effectRef>
+          <a:fontRef idx="minor">
+            <a:schemeClr val="lt1"/>
+          </a:fontRef>
+        </p:style>
+        <p:txBody>
+          <a:bodyPr rtlCol="0" anchor="ctr"/>
+          <a:lstStyle/>
+          <a:p>
+            <a:pPr algn="ctr"/>
+            <a:r>
+              <a:rPr lang="en-US" sz="1050" dirty="0" smtClean="0"/>
+              <a:t>Action Variable</a:t>
+            </a:r>
+            <a:endParaRPr lang="en-US" sz="1050" dirty="0"/>
+          </a:p>
+        </p:txBody>
+      </p:sp>
+      <p:sp>
+        <p:nvSpPr>
+          <p:cNvPr id="15" name="Rounded Rectangular Callout 14"/>
+          <p:cNvSpPr/>
+          <p:nvPr/>
+        </p:nvSpPr>
+        <p:spPr>
+          <a:xfrm>
+            <a:off x="7317049" y="3468592"/>
+            <a:ext cx="1836638" cy="509118"/>
+          </a:xfrm>
+          <a:prstGeom prst="wedgeRoundRectCallout">
+            <a:avLst>
+              <a:gd name="adj1" fmla="val -180953"/>
+              <a:gd name="adj2" fmla="val -26787"/>
+              <a:gd name="adj3" fmla="val 16667"/>
+            </a:avLst>
+          </a:prstGeom>
+        </p:spPr>
+        <p:style>
+          <a:lnRef idx="2">
+            <a:schemeClr val="accent1">
+              <a:shade val="50000"/>
+            </a:schemeClr>
+          </a:lnRef>
+          <a:fillRef idx="1">
+            <a:schemeClr val="accent1"/>
+          </a:fillRef>
+          <a:effectRef idx="0">
+            <a:schemeClr val="accent1"/>
+          </a:effectRef>
+          <a:fontRef idx="minor">
+            <a:schemeClr val="lt1"/>
+          </a:fontRef>
+        </p:style>
+        <p:txBody>
+          <a:bodyPr rtlCol="0" anchor="ctr"/>
+          <a:lstStyle/>
+          <a:p>
+            <a:pPr algn="ctr"/>
+            <a:r>
+              <a:rPr lang="en-US" sz="1050" dirty="0" smtClean="0"/>
+              <a:t>Write JSON output to client.</a:t>
+            </a:r>
+            <a:endParaRPr lang="en-US" sz="1050" dirty="0"/>
+          </a:p>
+        </p:txBody>
+      </p:sp>
     </p:spTree>
     <p:extLst>
       <p:ext uri="{BB962C8B-B14F-4D97-AF65-F5344CB8AC3E}">
         <p14:creationId xmlns:p14="http://schemas.microsoft.com/office/powerpoint/2010/main" val="1724629381"/>
+      </p:ext>
+    </p:extLst>
+  </p:cSld>
+  <p:clrMapOvr>
+    <a:masterClrMapping/>
+  </p:clrMapOvr>
+  <p:timing>
+    <p:tnLst>
+      <p:par>
+        <p:cTn id="1" dur="indefinite" restart="never" nodeType="tmRoot"/>
+      </p:par>
+    </p:tnLst>
+  </p:timing>
+</p:sld>
+</file>
+
+<file path=ppt/slides/slide5.xml><?xml version="1.0" encoding="utf-8"?>
+<p:sld xmlns:a="http://schemas.openxmlformats.org/drawingml/2006/main" xmlns:r="http://schemas.openxmlformats.org/officeDocument/2006/relationships" xmlns:p="http://schemas.openxmlformats.org/presentationml/2006/main">
+  <p:cSld>
+    <p:spTree>
+      <p:nvGrpSpPr>
+        <p:cNvPr id="1" name=""/>
+        <p:cNvGrpSpPr/>
+        <p:nvPr/>
+      </p:nvGrpSpPr>
+      <p:grpSpPr>
+        <a:xfrm>
+          <a:off x="0" y="0"/>
+          <a:ext cx="0" cy="0"/>
+          <a:chOff x="0" y="0"/>
+          <a:chExt cx="0" cy="0"/>
+        </a:xfrm>
+      </p:grpSpPr>
+      <p:sp>
+        <p:nvSpPr>
+          <p:cNvPr id="2" name="Title 1"/>
+          <p:cNvSpPr>
+            <a:spLocks noGrp="1"/>
+          </p:cNvSpPr>
+          <p:nvPr>
+            <p:ph type="title"/>
+          </p:nvPr>
+        </p:nvSpPr>
+        <p:spPr/>
+        <p:txBody>
+          <a:bodyPr/>
+          <a:lstStyle/>
+          <a:p>
+            <a:r>
+              <a:rPr lang="en-US" dirty="0" smtClean="0"/>
+              <a:t>gServ</a:t>
+            </a:r>
+            <a:br>
+              <a:rPr lang="en-US" dirty="0" smtClean="0"/>
+            </a:br>
+            <a:r>
+              <a:rPr lang="en-US" dirty="0" smtClean="0"/>
+              <a:t>Action</a:t>
+            </a:r>
+            <a:endParaRPr lang="en-US" dirty="0"/>
+          </a:p>
+        </p:txBody>
+      </p:sp>
+      <p:sp>
+        <p:nvSpPr>
+          <p:cNvPr id="3" name="Content Placeholder 2"/>
+          <p:cNvSpPr>
+            <a:spLocks noGrp="1"/>
+          </p:cNvSpPr>
+          <p:nvPr>
+            <p:ph idx="1"/>
+          </p:nvPr>
+        </p:nvSpPr>
+        <p:spPr/>
+        <p:txBody>
+          <a:bodyPr/>
+          <a:lstStyle/>
+          <a:p>
+            <a:r>
+              <a:rPr lang="en-US" dirty="0" smtClean="0"/>
+              <a:t>An action is an HTTP </a:t>
+            </a:r>
+            <a:r>
+              <a:rPr lang="en-US" dirty="0"/>
+              <a:t>request handler for a particular path/query/method combination</a:t>
+            </a:r>
+            <a:r>
+              <a:rPr lang="en-US" dirty="0" smtClean="0"/>
+              <a:t>.</a:t>
+            </a:r>
+          </a:p>
+          <a:p>
+            <a:r>
+              <a:rPr lang="en-US" dirty="0" smtClean="0"/>
+              <a:t>Example:</a:t>
+            </a:r>
+          </a:p>
+          <a:p>
+            <a:pPr lvl="1"/>
+            <a:r>
+              <a:rPr lang="en-US" dirty="0" smtClean="0"/>
+              <a:t>get </a:t>
+            </a:r>
+            <a:r>
+              <a:rPr lang="en-US" dirty="0" smtClean="0"/>
+              <a:t>“/</a:t>
+            </a:r>
+            <a:r>
+              <a:rPr lang="en-US" dirty="0" smtClean="0"/>
+              <a:t>inventory/:id</a:t>
+            </a:r>
+            <a:r>
+              <a:rPr lang="en-US" dirty="0" smtClean="0"/>
+              <a:t>”, { </a:t>
+            </a:r>
+            <a:r>
+              <a:rPr lang="en-US" dirty="0" smtClean="0"/>
+              <a:t>id -&gt;</a:t>
+            </a:r>
+          </a:p>
+          <a:p>
+            <a:pPr marL="914400" lvl="2" indent="0">
+              <a:buNone/>
+            </a:pPr>
+            <a:r>
+              <a:rPr lang="en-US" dirty="0"/>
+              <a:t>	</a:t>
+            </a:r>
+            <a:endParaRPr lang="en-US" dirty="0" smtClean="0"/>
+          </a:p>
+          <a:p>
+            <a:pPr marL="914400" lvl="2" indent="0">
+              <a:buNone/>
+            </a:pPr>
+            <a:r>
+              <a:rPr lang="en-US" dirty="0"/>
+              <a:t>}</a:t>
+            </a:r>
+          </a:p>
+        </p:txBody>
+      </p:sp>
+    </p:spTree>
+    <p:extLst>
+      <p:ext uri="{BB962C8B-B14F-4D97-AF65-F5344CB8AC3E}">
+        <p14:creationId xmlns:p14="http://schemas.microsoft.com/office/powerpoint/2010/main" val="546071517"/>
+      </p:ext>
+    </p:extLst>
+  </p:cSld>
+  <p:clrMapOvr>
+    <a:masterClrMapping/>
+  </p:clrMapOvr>
+  <p:timing>
+    <p:tnLst>
+      <p:par>
+        <p:cTn id="1" dur="indefinite" restart="never" nodeType="tmRoot"/>
+      </p:par>
+    </p:tnLst>
+  </p:timing>
+</p:sld>
+</file>
+
+<file path=ppt/slides/slide6.xml><?xml version="1.0" encoding="utf-8"?>
+<p:sld xmlns:a="http://schemas.openxmlformats.org/drawingml/2006/main" xmlns:r="http://schemas.openxmlformats.org/officeDocument/2006/relationships" xmlns:p="http://schemas.openxmlformats.org/presentationml/2006/main">
+  <p:cSld>
+    <p:spTree>
+      <p:nvGrpSpPr>
+        <p:cNvPr id="1" name=""/>
+        <p:cNvGrpSpPr/>
+        <p:nvPr/>
+      </p:nvGrpSpPr>
+      <p:grpSpPr>
+        <a:xfrm>
+          <a:off x="0" y="0"/>
+          <a:ext cx="0" cy="0"/>
+          <a:chOff x="0" y="0"/>
+          <a:chExt cx="0" cy="0"/>
+        </a:xfrm>
+      </p:grpSpPr>
+      <p:sp>
+        <p:nvSpPr>
+          <p:cNvPr id="2" name="Title 1"/>
+          <p:cNvSpPr>
+            <a:spLocks noGrp="1"/>
+          </p:cNvSpPr>
+          <p:nvPr>
+            <p:ph type="title"/>
+          </p:nvPr>
+        </p:nvSpPr>
+        <p:spPr/>
+        <p:txBody>
+          <a:bodyPr/>
+          <a:lstStyle/>
+          <a:p>
+            <a:r>
+              <a:rPr lang="en-US" dirty="0" smtClean="0"/>
+              <a:t>gServ</a:t>
+            </a:r>
+            <a:br>
+              <a:rPr lang="en-US" dirty="0" smtClean="0"/>
+            </a:br>
+            <a:r>
+              <a:rPr lang="en-US" dirty="0" smtClean="0"/>
+              <a:t>Resource</a:t>
+            </a:r>
+            <a:endParaRPr lang="en-US" dirty="0"/>
+          </a:p>
+        </p:txBody>
+      </p:sp>
+      <p:sp>
+        <p:nvSpPr>
+          <p:cNvPr id="3" name="Content Placeholder 2"/>
+          <p:cNvSpPr>
+            <a:spLocks noGrp="1"/>
+          </p:cNvSpPr>
+          <p:nvPr>
+            <p:ph idx="1"/>
+          </p:nvPr>
+        </p:nvSpPr>
+        <p:spPr/>
+        <p:txBody>
+          <a:bodyPr>
+            <a:normAutofit fontScale="92500" lnSpcReduction="10000"/>
+          </a:bodyPr>
+          <a:lstStyle/>
+          <a:p>
+            <a:r>
+              <a:rPr lang="en-US" dirty="0" smtClean="0"/>
+              <a:t>A collection of actions for the same base URL. </a:t>
+            </a:r>
+          </a:p>
+          <a:p>
+            <a:r>
+              <a:rPr lang="en-US" dirty="0" smtClean="0"/>
+              <a:t>All actions contained inside the resource will have its URL prepended with the resources base URL.</a:t>
+            </a:r>
+          </a:p>
+          <a:p>
+            <a:r>
+              <a:rPr lang="en-US" dirty="0" smtClean="0"/>
+              <a:t>Example:</a:t>
+            </a:r>
+          </a:p>
+          <a:p>
+            <a:pPr marL="457200" lvl="1" indent="0">
+              <a:buNone/>
+            </a:pPr>
+            <a:r>
+              <a:rPr lang="en-US" dirty="0" smtClean="0"/>
+              <a:t>    Resource(‘inventory’){</a:t>
+            </a:r>
+          </a:p>
+          <a:p>
+            <a:pPr marL="914400" lvl="2" indent="0">
+              <a:buNone/>
+            </a:pPr>
+            <a:r>
+              <a:rPr lang="en-US" dirty="0" smtClean="0"/>
+              <a:t>    get </a:t>
+            </a:r>
+            <a:r>
+              <a:rPr lang="en-US" dirty="0" smtClean="0"/>
+              <a:t>“/:</a:t>
+            </a:r>
+            <a:r>
+              <a:rPr lang="en-US" dirty="0" smtClean="0"/>
+              <a:t>id</a:t>
+            </a:r>
+            <a:r>
+              <a:rPr lang="en-US" dirty="0" smtClean="0"/>
+              <a:t>”, { </a:t>
+            </a:r>
+            <a:r>
+              <a:rPr lang="en-US" dirty="0" smtClean="0"/>
+              <a:t>id -&gt; /// get a particular inventory item</a:t>
+            </a:r>
+          </a:p>
+          <a:p>
+            <a:pPr marL="914400" lvl="2" indent="0">
+              <a:buNone/>
+            </a:pPr>
+            <a:r>
+              <a:rPr lang="en-US" dirty="0"/>
+              <a:t>	</a:t>
+            </a:r>
+            <a:r>
+              <a:rPr lang="en-US" dirty="0" smtClean="0"/>
+              <a:t>…</a:t>
+            </a:r>
+          </a:p>
+          <a:p>
+            <a:pPr marL="914400" lvl="2" indent="0">
+              <a:buNone/>
+            </a:pPr>
+            <a:r>
+              <a:rPr lang="en-US" dirty="0" smtClean="0"/>
+              <a:t>    }</a:t>
+            </a:r>
+          </a:p>
+          <a:p>
+            <a:pPr marL="914400" lvl="2" indent="0">
+              <a:buNone/>
+            </a:pPr>
+            <a:r>
+              <a:rPr lang="en-US" dirty="0" smtClean="0"/>
+              <a:t>    </a:t>
+            </a:r>
+            <a:r>
+              <a:rPr lang="en-US" dirty="0" smtClean="0"/>
+              <a:t>put ‘/:</a:t>
+            </a:r>
+            <a:r>
+              <a:rPr lang="en-US" dirty="0" smtClean="0"/>
+              <a:t>id</a:t>
+            </a:r>
+            <a:r>
+              <a:rPr lang="en-US" dirty="0" smtClean="0"/>
+              <a:t>’,{ </a:t>
+            </a:r>
+            <a:r>
+              <a:rPr lang="en-US" dirty="0" err="1" smtClean="0"/>
+              <a:t>InventoryItem</a:t>
+            </a:r>
+            <a:r>
+              <a:rPr lang="en-US" dirty="0" smtClean="0"/>
+              <a:t> item, id -&gt; /// Save an inventory item</a:t>
+            </a:r>
+          </a:p>
+          <a:p>
+            <a:pPr marL="914400" lvl="2" indent="0">
+              <a:buNone/>
+            </a:pPr>
+            <a:r>
+              <a:rPr lang="en-US" dirty="0" smtClean="0"/>
+              <a:t>        …</a:t>
+            </a:r>
+          </a:p>
+          <a:p>
+            <a:pPr marL="914400" lvl="2" indent="0">
+              <a:buNone/>
+            </a:pPr>
+            <a:r>
+              <a:rPr lang="en-US" dirty="0" smtClean="0"/>
+              <a:t>    }</a:t>
+            </a:r>
+            <a:endParaRPr lang="en-US" dirty="0"/>
+          </a:p>
+          <a:p>
+            <a:pPr marL="914400" lvl="2" indent="0">
+              <a:buNone/>
+            </a:pPr>
+            <a:r>
+              <a:rPr lang="en-US" dirty="0" smtClean="0"/>
+              <a:t>}</a:t>
+            </a:r>
+          </a:p>
+        </p:txBody>
+      </p:sp>
+    </p:spTree>
+    <p:extLst>
+      <p:ext uri="{BB962C8B-B14F-4D97-AF65-F5344CB8AC3E}">
+        <p14:creationId xmlns:p14="http://schemas.microsoft.com/office/powerpoint/2010/main" val="4003042083"/>
+      </p:ext>
+    </p:extLst>
+  </p:cSld>
+  <p:clrMapOvr>
+    <a:masterClrMapping/>
+  </p:clrMapOvr>
+  <p:timing>
+    <p:tnLst>
+      <p:par>
+        <p:cTn id="1" dur="indefinite" restart="never" nodeType="tmRoot"/>
+      </p:par>
+    </p:tnLst>
+  </p:timing>
+</p:sld>
+</file>
+
+<file path=ppt/slides/slide7.xml><?xml version="1.0" encoding="utf-8"?>
+<p:sld xmlns:a="http://schemas.openxmlformats.org/drawingml/2006/main" xmlns:r="http://schemas.openxmlformats.org/officeDocument/2006/relationships" xmlns:p="http://schemas.openxmlformats.org/presentationml/2006/main">
+  <p:cSld>
+    <p:spTree>
+      <p:nvGrpSpPr>
+        <p:cNvPr id="1" name=""/>
+        <p:cNvGrpSpPr/>
+        <p:nvPr/>
+      </p:nvGrpSpPr>
+      <p:grpSpPr>
+        <a:xfrm>
+          <a:off x="0" y="0"/>
+          <a:ext cx="0" cy="0"/>
+          <a:chOff x="0" y="0"/>
+          <a:chExt cx="0" cy="0"/>
+        </a:xfrm>
+      </p:grpSpPr>
+      <p:sp>
+        <p:nvSpPr>
+          <p:cNvPr id="2" name="Title 1"/>
+          <p:cNvSpPr>
+            <a:spLocks noGrp="1"/>
+          </p:cNvSpPr>
+          <p:nvPr>
+            <p:ph type="title"/>
+          </p:nvPr>
+        </p:nvSpPr>
+        <p:spPr/>
+        <p:txBody>
+          <a:bodyPr/>
+          <a:lstStyle/>
+          <a:p>
+            <a:r>
+              <a:rPr lang="en-US" dirty="0" smtClean="0"/>
+              <a:t>gServ</a:t>
+            </a:r>
+            <a:br>
+              <a:rPr lang="en-US" dirty="0" smtClean="0"/>
+            </a:br>
+            <a:r>
+              <a:rPr lang="en-US" dirty="0" smtClean="0"/>
+              <a:t>Creating REST Resources</a:t>
+            </a:r>
+            <a:endParaRPr lang="en-US" dirty="0"/>
+          </a:p>
+        </p:txBody>
+      </p:sp>
+      <p:sp>
+        <p:nvSpPr>
+          <p:cNvPr id="3" name="Content Placeholder 2"/>
+          <p:cNvSpPr>
+            <a:spLocks noGrp="1"/>
+          </p:cNvSpPr>
+          <p:nvPr>
+            <p:ph idx="1"/>
+          </p:nvPr>
+        </p:nvSpPr>
+        <p:spPr/>
+        <p:txBody>
+          <a:bodyPr/>
+          <a:lstStyle/>
+          <a:p>
+            <a:pPr marL="0" indent="0">
+              <a:buNone/>
+            </a:pPr>
+            <a:endParaRPr lang="en-US" dirty="0"/>
+          </a:p>
+          <a:p>
+            <a:pPr marL="0" indent="0">
+              <a:buNone/>
+            </a:pPr>
+            <a:r>
+              <a:rPr lang="en-US" dirty="0"/>
+              <a:t>       </a:t>
+            </a:r>
+            <a:r>
+              <a:rPr lang="en-US" dirty="0" smtClean="0"/>
+              <a:t>// Static usage </a:t>
+            </a:r>
+          </a:p>
+          <a:p>
+            <a:pPr marL="0" indent="0">
+              <a:buNone/>
+            </a:pPr>
+            <a:r>
+              <a:rPr lang="en-US" dirty="0">
+                <a:latin typeface="Courier New" panose="02070309020205020404" pitchFamily="49" charset="0"/>
+                <a:cs typeface="Courier New" panose="02070309020205020404" pitchFamily="49" charset="0"/>
+              </a:rPr>
+              <a:t>	</a:t>
+            </a:r>
+            <a:r>
+              <a:rPr lang="en-US" dirty="0" err="1" smtClean="0">
+                <a:latin typeface="Courier New" panose="02070309020205020404" pitchFamily="49" charset="0"/>
+                <a:cs typeface="Courier New" panose="02070309020205020404" pitchFamily="49" charset="0"/>
+              </a:rPr>
+              <a:t>GServ.Resource</a:t>
+            </a:r>
+            <a:r>
+              <a:rPr lang="en-US" dirty="0" smtClean="0">
+                <a:latin typeface="Courier New" panose="02070309020205020404" pitchFamily="49" charset="0"/>
+                <a:cs typeface="Courier New" panose="02070309020205020404" pitchFamily="49" charset="0"/>
+              </a:rPr>
+              <a:t>(path</a:t>
+            </a:r>
+            <a:r>
+              <a:rPr lang="en-US" dirty="0">
+                <a:latin typeface="Courier New" panose="02070309020205020404" pitchFamily="49" charset="0"/>
+                <a:cs typeface="Courier New" panose="02070309020205020404" pitchFamily="49" charset="0"/>
+              </a:rPr>
+              <a:t>, resourceDefinition</a:t>
+            </a:r>
+            <a:r>
+              <a:rPr lang="en-US" dirty="0" smtClean="0">
+                <a:latin typeface="Courier New" panose="02070309020205020404" pitchFamily="49" charset="0"/>
+                <a:cs typeface="Courier New" panose="02070309020205020404" pitchFamily="49" charset="0"/>
+              </a:rPr>
+              <a:t>)</a:t>
+            </a:r>
+          </a:p>
+          <a:p>
+            <a:pPr marL="0" indent="0">
+              <a:buNone/>
+            </a:pPr>
+            <a:r>
+              <a:rPr lang="en-US" dirty="0">
+                <a:latin typeface="Courier New" panose="02070309020205020404" pitchFamily="49" charset="0"/>
+                <a:cs typeface="Courier New" panose="02070309020205020404" pitchFamily="49" charset="0"/>
+              </a:rPr>
+              <a:t>	</a:t>
+            </a:r>
+            <a:r>
+              <a:rPr lang="en-US" dirty="0" smtClean="0">
+                <a:latin typeface="Courier New" panose="02070309020205020404" pitchFamily="49" charset="0"/>
+                <a:cs typeface="Courier New" panose="02070309020205020404" pitchFamily="49" charset="0"/>
+              </a:rPr>
+              <a:t>			- OR –</a:t>
+            </a:r>
+          </a:p>
+          <a:p>
+            <a:pPr marL="0" indent="0">
+              <a:buNone/>
+            </a:pPr>
+            <a:r>
+              <a:rPr lang="en-US" dirty="0">
+                <a:latin typeface="Courier New" panose="02070309020205020404" pitchFamily="49" charset="0"/>
+                <a:cs typeface="Courier New" panose="02070309020205020404" pitchFamily="49" charset="0"/>
+              </a:rPr>
+              <a:t>	</a:t>
+            </a:r>
+            <a:r>
+              <a:rPr lang="en-US" dirty="0" smtClean="0">
+                <a:latin typeface="Century Gothic" panose="020B0502020202020204" pitchFamily="34" charset="0"/>
+                <a:cs typeface="Courier New" panose="02070309020205020404" pitchFamily="49" charset="0"/>
+              </a:rPr>
+              <a:t>// Instance usage</a:t>
+            </a:r>
+            <a:endParaRPr lang="en-US" dirty="0">
+              <a:latin typeface="Century Gothic" panose="020B0502020202020204" pitchFamily="34" charset="0"/>
+              <a:cs typeface="Courier New" panose="02070309020205020404" pitchFamily="49" charset="0"/>
+            </a:endParaRPr>
+          </a:p>
+          <a:p>
+            <a:pPr marL="0" indent="0">
+              <a:buNone/>
+            </a:pPr>
+            <a:r>
+              <a:rPr lang="en-US" dirty="0">
+                <a:latin typeface="Courier New" panose="02070309020205020404" pitchFamily="49" charset="0"/>
+                <a:cs typeface="Courier New" panose="02070309020205020404" pitchFamily="49" charset="0"/>
+              </a:rPr>
+              <a:t>    </a:t>
+            </a:r>
+            <a:r>
+              <a:rPr lang="en-US" dirty="0" smtClean="0">
+                <a:latin typeface="Courier New" panose="02070309020205020404" pitchFamily="49" charset="0"/>
+                <a:cs typeface="Courier New" panose="02070309020205020404" pitchFamily="49" charset="0"/>
+              </a:rPr>
+              <a:t>new </a:t>
+            </a:r>
+            <a:r>
+              <a:rPr lang="en-US" dirty="0">
+                <a:latin typeface="Courier New" panose="02070309020205020404" pitchFamily="49" charset="0"/>
+                <a:cs typeface="Courier New" panose="02070309020205020404" pitchFamily="49" charset="0"/>
+              </a:rPr>
+              <a:t>GServ().resource(path, resourceDefinition)</a:t>
+            </a:r>
+          </a:p>
+          <a:p>
+            <a:pPr marL="0" indent="0">
+              <a:buNone/>
+            </a:pPr>
+            <a:endParaRPr lang="en-US" dirty="0" smtClean="0"/>
+          </a:p>
+          <a:p>
+            <a:pPr marL="0" indent="0">
+              <a:buNone/>
+            </a:pPr>
+            <a:r>
+              <a:rPr lang="en-US" dirty="0" smtClean="0"/>
+              <a:t>The </a:t>
+            </a:r>
+            <a:r>
+              <a:rPr lang="en-US" b="1" i="1" dirty="0"/>
+              <a:t>path</a:t>
+            </a:r>
+            <a:r>
+              <a:rPr lang="en-US" dirty="0"/>
+              <a:t> argument contains the path prefix for this resource</a:t>
+            </a:r>
+          </a:p>
+          <a:p>
+            <a:pPr marL="0" indent="0">
+              <a:buNone/>
+            </a:pPr>
+            <a:r>
+              <a:rPr lang="en-US" dirty="0"/>
+              <a:t>The </a:t>
+            </a:r>
+            <a:r>
+              <a:rPr lang="en-US" b="1" i="1" dirty="0" smtClean="0"/>
+              <a:t>resourceDefinition</a:t>
+            </a:r>
+            <a:r>
+              <a:rPr lang="en-US" dirty="0" smtClean="0"/>
+              <a:t> </a:t>
+            </a:r>
+            <a:r>
+              <a:rPr lang="en-US" dirty="0"/>
+              <a:t>argument is a Closure defining the available actions for resource</a:t>
+            </a:r>
+          </a:p>
+        </p:txBody>
+      </p:sp>
+    </p:spTree>
+    <p:extLst>
+      <p:ext uri="{BB962C8B-B14F-4D97-AF65-F5344CB8AC3E}">
+        <p14:creationId xmlns:p14="http://schemas.microsoft.com/office/powerpoint/2010/main" val="1240997430"/>
       </p:ext>
     </p:extLst>
   </p:cSld>
@@ -9926,7 +10955,7 @@
             </a:br>
             <a:r>
               <a:rPr lang="en-US" dirty="0" smtClean="0"/>
-              <a:t>Creating REST Resources</a:t>
+              <a:t>Services (Server Instances)</a:t>
             </a:r>
             <a:endParaRPr lang="en-US" dirty="0"/>
           </a:p>
@@ -9947,139 +10976,44 @@
           <a:bodyPr/>
           <a:lstStyle/>
           <a:p>
-            <a:pPr marL="0" indent="0">
+            <a:r>
+              <a:rPr lang="en-US" dirty="0" smtClean="0"/>
+              <a:t>Services are made up of:</a:t>
+            </a:r>
+          </a:p>
+          <a:p>
+            <a:pPr lvl="1"/>
+            <a:r>
+              <a:rPr lang="en-US" dirty="0" smtClean="0"/>
+              <a:t>Resources</a:t>
+            </a:r>
+          </a:p>
+          <a:p>
+            <a:pPr lvl="1"/>
+            <a:r>
+              <a:rPr lang="en-US" dirty="0" smtClean="0"/>
+              <a:t>Static Roots</a:t>
+            </a:r>
+          </a:p>
+          <a:p>
+            <a:pPr lvl="1"/>
+            <a:r>
+              <a:rPr lang="en-US" dirty="0" smtClean="0"/>
+              <a:t>Filters</a:t>
+            </a:r>
+          </a:p>
+          <a:p>
+            <a:pPr marL="457200" lvl="1" indent="0">
               <a:buNone/>
             </a:pPr>
-            <a:r>
-              <a:rPr lang="en-US" dirty="0"/>
-              <a:t>Creating REST resources is easy to do. Either use the static or instance methods:</a:t>
-            </a:r>
-          </a:p>
-          <a:p>
-            <a:endParaRPr lang="en-US" dirty="0"/>
-          </a:p>
-          <a:p>
-            <a:pPr marL="0" indent="0">
-              <a:buNone/>
-            </a:pPr>
-            <a:r>
-              <a:rPr lang="en-US" dirty="0"/>
-              <a:t>        </a:t>
-            </a:r>
-            <a:r>
-              <a:rPr lang="en-US" dirty="0">
-                <a:latin typeface="Courier New" panose="02070309020205020404" pitchFamily="49" charset="0"/>
-                <a:cs typeface="Courier New" panose="02070309020205020404" pitchFamily="49" charset="0"/>
-              </a:rPr>
-              <a:t>GServ.Resource(path, resourceDefinition</a:t>
-            </a:r>
-            <a:r>
-              <a:rPr lang="en-US" dirty="0" smtClean="0">
-                <a:latin typeface="Courier New" panose="02070309020205020404" pitchFamily="49" charset="0"/>
-                <a:cs typeface="Courier New" panose="02070309020205020404" pitchFamily="49" charset="0"/>
-              </a:rPr>
-              <a:t>)</a:t>
-            </a:r>
-          </a:p>
-          <a:p>
-            <a:pPr marL="0" indent="0">
-              <a:buNone/>
-            </a:pPr>
-            <a:r>
-              <a:rPr lang="en-US" dirty="0">
-                <a:latin typeface="Courier New" panose="02070309020205020404" pitchFamily="49" charset="0"/>
-                <a:cs typeface="Courier New" panose="02070309020205020404" pitchFamily="49" charset="0"/>
-              </a:rPr>
-              <a:t>	</a:t>
-            </a:r>
-            <a:r>
-              <a:rPr lang="en-US" dirty="0" smtClean="0">
-                <a:latin typeface="Courier New" panose="02070309020205020404" pitchFamily="49" charset="0"/>
-                <a:cs typeface="Courier New" panose="02070309020205020404" pitchFamily="49" charset="0"/>
-              </a:rPr>
-              <a:t>			- OR -</a:t>
-            </a:r>
-            <a:endParaRPr lang="en-US" dirty="0">
-              <a:latin typeface="Courier New" panose="02070309020205020404" pitchFamily="49" charset="0"/>
-              <a:cs typeface="Courier New" panose="02070309020205020404" pitchFamily="49" charset="0"/>
-            </a:endParaRPr>
-          </a:p>
-          <a:p>
-            <a:pPr marL="0" indent="0">
-              <a:buNone/>
-            </a:pPr>
-            <a:r>
-              <a:rPr lang="en-US" dirty="0">
-                <a:latin typeface="Courier New" panose="02070309020205020404" pitchFamily="49" charset="0"/>
-                <a:cs typeface="Courier New" panose="02070309020205020404" pitchFamily="49" charset="0"/>
-              </a:rPr>
-              <a:t>    </a:t>
-            </a:r>
-            <a:r>
-              <a:rPr lang="en-US" dirty="0" smtClean="0">
-                <a:latin typeface="Courier New" panose="02070309020205020404" pitchFamily="49" charset="0"/>
-                <a:cs typeface="Courier New" panose="02070309020205020404" pitchFamily="49" charset="0"/>
-              </a:rPr>
-              <a:t>new </a:t>
-            </a:r>
-            <a:r>
-              <a:rPr lang="en-US" dirty="0">
-                <a:latin typeface="Courier New" panose="02070309020205020404" pitchFamily="49" charset="0"/>
-                <a:cs typeface="Courier New" panose="02070309020205020404" pitchFamily="49" charset="0"/>
-              </a:rPr>
-              <a:t>GServ().resource(path, resourceDefinition)</a:t>
-            </a:r>
-          </a:p>
-          <a:p>
-            <a:pPr marL="0" indent="0">
-              <a:buNone/>
-            </a:pPr>
-            <a:endParaRPr lang="en-US" dirty="0" smtClean="0"/>
-          </a:p>
-          <a:p>
-            <a:pPr marL="0" indent="0">
-              <a:buNone/>
-            </a:pPr>
-            <a:r>
-              <a:rPr lang="en-US" dirty="0" smtClean="0"/>
-              <a:t>The </a:t>
-            </a:r>
-            <a:r>
-              <a:rPr lang="en-US" b="1" i="1" dirty="0"/>
-              <a:t>path</a:t>
-            </a:r>
-            <a:r>
-              <a:rPr lang="en-US" dirty="0"/>
-              <a:t> argument contains the path prefix for this resource</a:t>
-            </a:r>
-          </a:p>
-          <a:p>
-            <a:pPr marL="0" indent="0">
-              <a:buNone/>
-            </a:pPr>
-            <a:r>
-              <a:rPr lang="en-US" dirty="0"/>
-              <a:t>The </a:t>
-            </a:r>
-            <a:r>
-              <a:rPr lang="en-US" b="1" i="1" dirty="0" smtClean="0"/>
-              <a:t>resourceDefinition</a:t>
-            </a:r>
-            <a:r>
-              <a:rPr lang="en-US" dirty="0" smtClean="0"/>
-              <a:t> </a:t>
-            </a:r>
-            <a:r>
-              <a:rPr lang="en-US" dirty="0"/>
-              <a:t>argument is a Closure defining the available actions for resource</a:t>
-            </a:r>
+            <a:endParaRPr lang="en-US" dirty="0"/>
           </a:p>
         </p:txBody>
       </p:sp>
     </p:spTree>
     <p:extLst>
       <p:ext uri="{BB962C8B-B14F-4D97-AF65-F5344CB8AC3E}">
-        <p14:creationId xmlns:p14="http://schemas.microsoft.com/office/powerpoint/2010/main" val="1240997430"/>
+        <p14:creationId xmlns:p14="http://schemas.microsoft.com/office/powerpoint/2010/main" val="3818748897"/>
       </p:ext>
     </p:extLst>
   </p:cSld>
@@ -10137,7 +11071,7 @@
             </a:br>
             <a:r>
               <a:rPr lang="en-US" dirty="0" smtClean="0"/>
-              <a:t>Sample REST Resource</a:t>
+              <a:t>Services (Server Instances)</a:t>
             </a:r>
             <a:endParaRPr lang="en-US" dirty="0"/>
           </a:p>
@@ -10156,34 +11090,184 @@
         <p:spPr/>
         <p:txBody>
           <a:bodyPr>
-            <a:normAutofit fontScale="62500" lnSpcReduction="20000"/>
+            <a:normAutofit fontScale="92500" lnSpcReduction="20000"/>
           </a:bodyPr>
           <a:lstStyle/>
           <a:p>
-            <a:endParaRPr lang="en-US" dirty="0" smtClean="0"/>
-          </a:p>
-          <a:p>
-            <a:pPr marL="0" indent="0">
+            <a:r>
+              <a:rPr lang="en-US" dirty="0" smtClean="0"/>
+              <a:t>Example</a:t>
+            </a:r>
+          </a:p>
+          <a:p>
+            <a:pPr marL="457200" lvl="1" indent="0">
               <a:buNone/>
             </a:pPr>
             <a:r>
+              <a:rPr lang="en-US" dirty="0" err="1" smtClean="0"/>
+              <a:t>gserv.http</a:t>
+            </a:r>
+            <a:r>
+              <a:rPr lang="en-US" dirty="0" smtClean="0"/>
+              <a:t> {</a:t>
+            </a:r>
+          </a:p>
+          <a:p>
+            <a:pPr marL="457200" lvl="1" indent="0">
+              <a:buNone/>
+            </a:pPr>
+            <a:r>
+              <a:rPr lang="en-US" dirty="0" smtClean="0"/>
+              <a:t>	</a:t>
+            </a:r>
+            <a:r>
+              <a:rPr lang="en-US" dirty="0" err="1" smtClean="0"/>
+              <a:t>static_roots</a:t>
+            </a:r>
+            <a:r>
+              <a:rPr lang="en-US" dirty="0"/>
+              <a:t> </a:t>
+            </a:r>
+            <a:r>
+              <a:rPr lang="en-US" dirty="0" smtClean="0"/>
+              <a:t>‘/public/pages’</a:t>
+            </a:r>
+          </a:p>
+          <a:p>
+            <a:pPr marL="457200" lvl="1" indent="0">
+              <a:buNone/>
+            </a:pPr>
+            <a:r>
+              <a:rPr lang="en-US" dirty="0"/>
+              <a:t>	</a:t>
+            </a:r>
+            <a:r>
+              <a:rPr lang="en-US" dirty="0" err="1" smtClean="0"/>
+              <a:t>useResourceDocs</a:t>
+            </a:r>
+            <a:r>
+              <a:rPr lang="en-US" dirty="0"/>
+              <a:t> </a:t>
+            </a:r>
+            <a:r>
+              <a:rPr lang="en-US" dirty="0" smtClean="0"/>
+              <a:t>false</a:t>
+            </a:r>
+          </a:p>
+          <a:p>
+            <a:pPr marL="457200" lvl="1" indent="0">
+              <a:buNone/>
+            </a:pPr>
+            <a:r>
+              <a:rPr lang="en-US" dirty="0"/>
+              <a:t>	</a:t>
+            </a:r>
+            <a:r>
+              <a:rPr lang="en-US" dirty="0" err="1" smtClean="0"/>
+              <a:t>defaultResource</a:t>
+            </a:r>
+            <a:r>
+              <a:rPr lang="en-US" dirty="0"/>
+              <a:t> </a:t>
+            </a:r>
+            <a:r>
+              <a:rPr lang="en-US" dirty="0" smtClean="0"/>
+              <a:t>“index.html”</a:t>
+            </a:r>
+          </a:p>
+          <a:p>
+            <a:pPr marL="457200" lvl="1" indent="0">
+              <a:buNone/>
+            </a:pPr>
+            <a:r>
+              <a:rPr lang="en-US" dirty="0"/>
+              <a:t>	</a:t>
+            </a:r>
+            <a:r>
+              <a:rPr lang="en-US" dirty="0" smtClean="0"/>
+              <a:t>after "/user/comments/**,  </a:t>
+            </a:r>
+            <a:r>
+              <a:rPr lang="en-US" dirty="0"/>
+              <a:t>"GET", </a:t>
+            </a:r>
+            <a:r>
+              <a:rPr lang="en-US" dirty="0" smtClean="0"/>
+              <a:t>[:], </a:t>
+            </a:r>
+            <a:r>
+              <a:rPr lang="en-US" dirty="0"/>
+              <a:t>{ </a:t>
+            </a:r>
+            <a:r>
+              <a:rPr lang="en-US" dirty="0" err="1" smtClean="0"/>
+              <a:t>requestContext</a:t>
+            </a:r>
+            <a:r>
+              <a:rPr lang="en-US" dirty="0"/>
+              <a:t>, data -&gt;</a:t>
+            </a:r>
+          </a:p>
+          <a:p>
+            <a:pPr marL="457200" lvl="1" indent="0">
+              <a:buNone/>
+            </a:pPr>
+            <a:r>
+              <a:rPr lang="en-US" dirty="0"/>
+              <a:t>            def </a:t>
+            </a:r>
+            <a:r>
               <a:rPr lang="en-US" dirty="0" err="1"/>
-              <a:t>g</a:t>
+              <a:t>newData</a:t>
+            </a:r>
+            <a:r>
+              <a:rPr lang="en-US" dirty="0"/>
+              <a:t> = new String(data).</a:t>
+            </a:r>
+            <a:r>
+              <a:rPr lang="en-US" dirty="0" err="1"/>
+              <a:t>toUpperCase</a:t>
+            </a:r>
+            <a:r>
+              <a:rPr lang="en-US" dirty="0"/>
+              <a:t>().</a:t>
+            </a:r>
+            <a:r>
+              <a:rPr lang="en-US" dirty="0" smtClean="0"/>
+              <a:t>bytes</a:t>
+            </a:r>
+            <a:endParaRPr lang="en-US" dirty="0"/>
+          </a:p>
+          <a:p>
+            <a:pPr marL="457200" lvl="1" indent="0">
+              <a:buNone/>
+            </a:pPr>
+            <a:r>
+              <a:rPr lang="en-US" dirty="0"/>
+              <a:t>            return </a:t>
             </a:r>
             <a:r>
               <a:rPr lang="en-US" dirty="0" err="1" smtClean="0"/>
-              <a:t>serv.Resource</a:t>
-            </a:r>
-            <a:r>
-              <a:rPr lang="en-US" dirty="0" smtClean="0"/>
-              <a:t>(“/inventory”){</a:t>
-            </a:r>
-          </a:p>
-          <a:p>
-            <a:pPr marL="0" indent="0">
+              <a:t>newData</a:t>
+            </a:r>
+            <a:r>
+              <a:rPr lang="en-US" dirty="0" smtClean="0"/>
+              <a:t>;</a:t>
+            </a:r>
+            <a:endParaRPr lang="en-US" dirty="0"/>
+          </a:p>
+          <a:p>
+            <a:pPr marL="457200" lvl="1" indent="0">
               <a:buNone/>
             </a:pPr>
-            <a:endParaRPr lang="en-US" dirty="0"/>
+            <a:r>
+              <a:rPr lang="en-US" dirty="0"/>
+              <a:t>    </a:t>
+            </a:r>
+            <a:r>
+              <a:rPr lang="en-US" dirty="0" smtClean="0"/>
+              <a:t>	}</a:t>
+            </a:r>
           </a:p>
           <a:p>
             <a:pPr marL="457200" lvl="1" indent="0">
@@ -10191,8 +11275,17 @@
             </a:pPr>
             <a:r>
               <a:rPr lang="en-US" dirty="0" smtClean="0"/>
-              <a:t>get() {</a:t>
-            </a:r>
+              <a:t> </a:t>
+            </a:r>
+            <a:r>
+              <a:rPr lang="en-US" dirty="0"/>
+              <a:t>	</a:t>
+            </a:r>
+            <a:r>
+              <a:rPr lang="en-US" dirty="0" smtClean="0"/>
+              <a:t>resource resource1</a:t>
+            </a:r>
+            <a:endParaRPr lang="en-US" dirty="0"/>
           </a:p>
           <a:p>
             <a:pPr marL="457200" lvl="1" indent="0">
@@ -10200,23 +11293,11 @@
             </a:pPr>
             <a:r>
               <a:rPr lang="en-US" dirty="0"/>
-              <a:t>	</a:t>
-            </a:r>
-            <a:r>
-              <a:rPr lang="en-US" dirty="0" err="1" smtClean="0"/>
-              <a:t>writeJson</a:t>
-            </a:r>
-            <a:r>
-              <a:rPr lang="en-US" dirty="0" smtClean="0"/>
-              <a:t> </a:t>
-            </a:r>
-            <a:r>
-              <a:rPr lang="en-US" dirty="0" err="1" smtClean="0"/>
-              <a:t>someService.getAllInventory</a:t>
-            </a:r>
-            <a:r>
-              <a:rPr lang="en-US" dirty="0" smtClean="0"/>
-              <a:t>()</a:t>
+              <a:t>	resource </a:t>
+            </a:r>
+            <a:r>
+              <a:rPr lang="en-US" dirty="0" smtClean="0"/>
+              <a:t>resource2</a:t>
             </a:r>
           </a:p>
           <a:p>
@@ -10225,190 +11306,6 @@
             </a:pPr>
             <a:r>
               <a:rPr lang="en-US" dirty="0" smtClean="0"/>
-              <a:t>}</a:t>
-            </a:r>
-            <a:endParaRPr lang="en-US" dirty="0"/>
-          </a:p>
-          <a:p>
-            <a:pPr marL="457200" lvl="1" indent="0">
-              <a:buNone/>
-            </a:pPr>
-            <a:r>
-              <a:rPr lang="en-US" dirty="0"/>
-              <a:t>get</a:t>
-            </a:r>
-            <a:r>
-              <a:rPr lang="en-US" dirty="0" smtClean="0"/>
-              <a:t>(‘/:</a:t>
-            </a:r>
-            <a:r>
-              <a:rPr lang="en-US" dirty="0" err="1" smtClean="0"/>
-              <a:t>productId</a:t>
-            </a:r>
-            <a:r>
-              <a:rPr lang="en-US" dirty="0" smtClean="0"/>
-              <a:t>’) </a:t>
-            </a:r>
-            <a:r>
-              <a:rPr lang="en-US" dirty="0"/>
-              <a:t>{</a:t>
-            </a:r>
-          </a:p>
-          <a:p>
-            <a:pPr marL="457200" lvl="1" indent="0">
-              <a:buNone/>
-            </a:pPr>
-            <a:r>
-              <a:rPr lang="en-US" dirty="0"/>
-              <a:t>	</a:t>
-            </a:r>
-            <a:r>
-              <a:rPr lang="en-US" dirty="0" err="1"/>
-              <a:t>writeJson</a:t>
-            </a:r>
-            <a:r>
-              <a:rPr lang="en-US" dirty="0"/>
-              <a:t> </a:t>
-            </a:r>
-            <a:r>
-              <a:rPr lang="en-US" dirty="0" err="1" smtClean="0"/>
-              <a:t>someService.getProductInventory</a:t>
-            </a:r>
-            <a:r>
-              <a:rPr lang="en-US" dirty="0" smtClean="0"/>
-              <a:t>(</a:t>
-            </a:r>
-            <a:r>
-              <a:rPr lang="en-US" dirty="0" err="1" smtClean="0"/>
-              <a:t>productId</a:t>
-            </a:r>
-            <a:r>
-              <a:rPr lang="en-US" dirty="0" smtClean="0"/>
-              <a:t>)</a:t>
-            </a:r>
-            <a:endParaRPr lang="en-US" dirty="0"/>
-          </a:p>
-          <a:p>
-            <a:pPr marL="457200" lvl="1" indent="0">
-              <a:buNone/>
-            </a:pPr>
-            <a:r>
-              <a:rPr lang="en-US" dirty="0" smtClean="0"/>
-              <a:t>}</a:t>
-            </a:r>
-          </a:p>
-          <a:p>
-            <a:pPr marL="457200" lvl="1" indent="0">
-              <a:buNone/>
-            </a:pPr>
-            <a:r>
-              <a:rPr lang="en-US" dirty="0" smtClean="0"/>
-              <a:t>post(‘/’){instream -&gt;</a:t>
-            </a:r>
-          </a:p>
-          <a:p>
-            <a:pPr marL="457200" lvl="1" indent="0">
-              <a:buNone/>
-            </a:pPr>
-            <a:r>
-              <a:rPr lang="en-US" dirty="0" smtClean="0"/>
-              <a:t>	def </a:t>
-            </a:r>
-            <a:r>
-              <a:rPr lang="en-US" dirty="0" err="1" smtClean="0"/>
-              <a:t>inventoryItems</a:t>
-            </a:r>
-            <a:r>
-              <a:rPr lang="en-US" dirty="0" smtClean="0"/>
-              <a:t> = </a:t>
-            </a:r>
-            <a:r>
-              <a:rPr lang="en-US" dirty="0" err="1" smtClean="0"/>
-              <a:t>to.json</a:t>
-            </a:r>
-            <a:r>
-              <a:rPr lang="en-US" dirty="0" smtClean="0"/>
-              <a:t>( instream)</a:t>
-            </a:r>
-          </a:p>
-          <a:p>
-            <a:pPr marL="457200" lvl="1" indent="0">
-              <a:buNone/>
-            </a:pPr>
-            <a:r>
-              <a:rPr lang="en-US" dirty="0"/>
-              <a:t>	</a:t>
-            </a:r>
-            <a:r>
-              <a:rPr lang="en-US" dirty="0" smtClean="0"/>
-              <a:t>def </a:t>
-            </a:r>
-            <a:r>
-              <a:rPr lang="en-US" dirty="0" err="1" smtClean="0"/>
-              <a:t>resp</a:t>
-            </a:r>
-            <a:r>
-              <a:rPr lang="en-US" dirty="0" smtClean="0"/>
-              <a:t> = </a:t>
-            </a:r>
-            <a:r>
-              <a:rPr lang="en-US" dirty="0" err="1" smtClean="0"/>
-              <a:t>someService.addInventory</a:t>
-            </a:r>
-            <a:r>
-              <a:rPr lang="en-US" dirty="0" smtClean="0"/>
-              <a:t>( </a:t>
-            </a:r>
-            <a:r>
-              <a:rPr lang="en-US" dirty="0" err="1" smtClean="0"/>
-              <a:t>inventoryItems</a:t>
-            </a:r>
-            <a:r>
-              <a:rPr lang="en-US" dirty="0" smtClean="0"/>
-              <a:t>)</a:t>
-            </a:r>
-          </a:p>
-          <a:p>
-            <a:pPr marL="457200" lvl="1" indent="0">
-              <a:buNone/>
-            </a:pPr>
-            <a:r>
-              <a:rPr lang="en-US" dirty="0"/>
-              <a:t>	</a:t>
-            </a:r>
-            <a:r>
-              <a:rPr lang="en-US" dirty="0" err="1" smtClean="0"/>
-              <a:t>writeJson</a:t>
-            </a:r>
-            <a:r>
-              <a:rPr lang="en-US" dirty="0" smtClean="0"/>
-              <a:t>( </a:t>
-            </a:r>
-            <a:r>
-              <a:rPr lang="en-US" dirty="0" err="1" smtClean="0"/>
-              <a:t>resp</a:t>
-            </a:r>
-            <a:r>
-              <a:rPr lang="en-US" dirty="0" smtClean="0"/>
-              <a:t> )</a:t>
-            </a:r>
-            <a:endParaRPr lang="en-US" dirty="0"/>
-          </a:p>
-          <a:p>
-            <a:pPr marL="457200" lvl="1" indent="0">
-              <a:buNone/>
-            </a:pPr>
-            <a:r>
-              <a:rPr lang="en-US" dirty="0" smtClean="0"/>
-              <a:t>}</a:t>
-            </a:r>
-          </a:p>
-          <a:p>
-            <a:pPr marL="0" indent="0">
-              <a:buNone/>
-            </a:pPr>
-            <a:r>
-              <a:rPr lang="en-US" dirty="0"/>
               <a:t>}</a:t>
             </a:r>
           </a:p>
@@ -10417,7 +11314,7 @@
     </p:spTree>
     <p:extLst>
       <p:ext uri="{BB962C8B-B14F-4D97-AF65-F5344CB8AC3E}">
-        <p14:creationId xmlns:p14="http://schemas.microsoft.com/office/powerpoint/2010/main" val="3513614612"/>
+        <p14:creationId xmlns:p14="http://schemas.microsoft.com/office/powerpoint/2010/main" val="4003623019"/>
       </p:ext>
     </p:extLst>
   </p:cSld>

--- a/gServ.pptx
+++ b/gServ.pptx
@@ -318,7 +318,7 @@
           <a:p>
             <a:fld id="{4AAD347D-5ACD-4C99-B74B-A9C85AD731AF}" type="datetimeFigureOut">
               <a:rPr lang="en-US" dirty="0"/>
-              <a:t>5/21/2015</a:t>
+              <a:t>6/1/2015</a:t>
             </a:fld>
             <a:endParaRPr lang="en-US" dirty="0"/>
           </a:p>
@@ -588,7 +588,7 @@
           <a:p>
             <a:fld id="{4509A250-FF31-4206-8172-F9D3106AACB1}" type="datetimeFigureOut">
               <a:rPr lang="en-US" dirty="0"/>
-              <a:t>5/21/2015</a:t>
+              <a:t>6/1/2015</a:t>
             </a:fld>
             <a:endParaRPr lang="en-US" dirty="0"/>
           </a:p>
@@ -777,7 +777,7 @@
           <a:p>
             <a:fld id="{4509A250-FF31-4206-8172-F9D3106AACB1}" type="datetimeFigureOut">
               <a:rPr lang="en-US" dirty="0"/>
-              <a:t>5/21/2015</a:t>
+              <a:t>6/1/2015</a:t>
             </a:fld>
             <a:endParaRPr lang="en-US" dirty="0"/>
           </a:p>
@@ -1045,7 +1045,7 @@
           <a:p>
             <a:fld id="{4509A250-FF31-4206-8172-F9D3106AACB1}" type="datetimeFigureOut">
               <a:rPr lang="en-US" dirty="0"/>
-              <a:t>5/21/2015</a:t>
+              <a:t>6/1/2015</a:t>
             </a:fld>
             <a:endParaRPr lang="en-US" dirty="0"/>
           </a:p>
@@ -1381,7 +1381,7 @@
           <a:p>
             <a:fld id="{4509A250-FF31-4206-8172-F9D3106AACB1}" type="datetimeFigureOut">
               <a:rPr lang="en-US" dirty="0"/>
-              <a:t>5/21/2015</a:t>
+              <a:t>6/1/2015</a:t>
             </a:fld>
             <a:endParaRPr lang="en-US" dirty="0"/>
           </a:p>
@@ -1999,7 +1999,7 @@
           <a:p>
             <a:fld id="{4509A250-FF31-4206-8172-F9D3106AACB1}" type="datetimeFigureOut">
               <a:rPr lang="en-US" dirty="0"/>
-              <a:t>5/21/2015</a:t>
+              <a:t>6/1/2015</a:t>
             </a:fld>
             <a:endParaRPr lang="en-US" dirty="0"/>
           </a:p>
@@ -2854,7 +2854,7 @@
           <a:p>
             <a:fld id="{4509A250-FF31-4206-8172-F9D3106AACB1}" type="datetimeFigureOut">
               <a:rPr lang="en-US" dirty="0"/>
-              <a:t>5/21/2015</a:t>
+              <a:t>6/1/2015</a:t>
             </a:fld>
             <a:endParaRPr lang="en-US" dirty="0"/>
           </a:p>
@@ -3019,7 +3019,7 @@
           <a:p>
             <a:fld id="{4509A250-FF31-4206-8172-F9D3106AACB1}" type="datetimeFigureOut">
               <a:rPr lang="en-US" dirty="0"/>
-              <a:t>5/21/2015</a:t>
+              <a:t>6/1/2015</a:t>
             </a:fld>
             <a:endParaRPr lang="en-US" dirty="0"/>
           </a:p>
@@ -3194,7 +3194,7 @@
           <a:p>
             <a:fld id="{4509A250-FF31-4206-8172-F9D3106AACB1}" type="datetimeFigureOut">
               <a:rPr lang="en-US" dirty="0"/>
-              <a:t>5/21/2015</a:t>
+              <a:t>6/1/2015</a:t>
             </a:fld>
             <a:endParaRPr lang="en-US" dirty="0"/>
           </a:p>
@@ -3359,7 +3359,7 @@
           <a:p>
             <a:fld id="{4509A250-FF31-4206-8172-F9D3106AACB1}" type="datetimeFigureOut">
               <a:rPr lang="en-US" dirty="0"/>
-              <a:t>5/21/2015</a:t>
+              <a:t>6/1/2015</a:t>
             </a:fld>
             <a:endParaRPr lang="en-US" dirty="0"/>
           </a:p>
@@ -3601,7 +3601,7 @@
           <a:p>
             <a:fld id="{9796027F-7875-4030-9381-8BD8C4F21935}" type="datetimeFigureOut">
               <a:rPr lang="en-US" dirty="0"/>
-              <a:t>5/21/2015</a:t>
+              <a:t>6/1/2015</a:t>
             </a:fld>
             <a:endParaRPr lang="en-US" dirty="0"/>
           </a:p>
@@ -3888,7 +3888,7 @@
           <a:p>
             <a:fld id="{9796027F-7875-4030-9381-8BD8C4F21935}" type="datetimeFigureOut">
               <a:rPr lang="en-US" dirty="0"/>
-              <a:t>5/21/2015</a:t>
+              <a:t>6/1/2015</a:t>
             </a:fld>
             <a:endParaRPr lang="en-US" dirty="0"/>
           </a:p>
@@ -4327,7 +4327,7 @@
           <a:p>
             <a:fld id="{9796027F-7875-4030-9381-8BD8C4F21935}" type="datetimeFigureOut">
               <a:rPr lang="en-US" dirty="0"/>
-              <a:t>5/21/2015</a:t>
+              <a:t>6/1/2015</a:t>
             </a:fld>
             <a:endParaRPr lang="en-US" dirty="0"/>
           </a:p>
@@ -4440,7 +4440,7 @@
           <a:p>
             <a:fld id="{4509A250-FF31-4206-8172-F9D3106AACB1}" type="datetimeFigureOut">
               <a:rPr lang="en-US" dirty="0"/>
-              <a:t>5/21/2015</a:t>
+              <a:t>6/1/2015</a:t>
             </a:fld>
             <a:endParaRPr lang="en-US" dirty="0"/>
           </a:p>
@@ -4530,7 +4530,7 @@
           <a:p>
             <a:fld id="{4509A250-FF31-4206-8172-F9D3106AACB1}" type="datetimeFigureOut">
               <a:rPr lang="en-US" dirty="0"/>
-              <a:t>5/21/2015</a:t>
+              <a:t>6/1/2015</a:t>
             </a:fld>
             <a:endParaRPr lang="en-US" dirty="0"/>
           </a:p>
@@ -4804,7 +4804,7 @@
           <a:p>
             <a:fld id="{4509A250-FF31-4206-8172-F9D3106AACB1}" type="datetimeFigureOut">
               <a:rPr lang="en-US" dirty="0"/>
-              <a:t>5/21/2015</a:t>
+              <a:t>6/1/2015</a:t>
             </a:fld>
             <a:endParaRPr lang="en-US" dirty="0"/>
           </a:p>
@@ -5074,7 +5074,7 @@
           <a:p>
             <a:fld id="{4509A250-FF31-4206-8172-F9D3106AACB1}" type="datetimeFigureOut">
               <a:rPr lang="en-US" dirty="0"/>
-              <a:t>5/21/2015</a:t>
+              <a:t>6/1/2015</a:t>
             </a:fld>
             <a:endParaRPr lang="en-US" dirty="0"/>
           </a:p>
@@ -5498,7 +5498,7 @@
           <a:p>
             <a:fld id="{4AAD347D-5ACD-4C99-B74B-A9C85AD731AF}" type="datetimeFigureOut">
               <a:rPr lang="en-US" dirty="0"/>
-              <a:t>5/21/2015</a:t>
+              <a:t>6/1/2015</a:t>
             </a:fld>
             <a:endParaRPr lang="en-US" dirty="0"/>
           </a:p>
@@ -6077,6 +6077,21 @@
   <p:clrMapOvr>
     <a:masterClrMapping/>
   </p:clrMapOvr>
+  <mc:AlternateContent xmlns:mc="http://schemas.openxmlformats.org/markup-compatibility/2006">
+    <mc:Choice xmlns:p14="http://schemas.microsoft.com/office/powerpoint/2010/main" Requires="p14">
+      <p:transition spd="slow" p14:dur="2000"/>
+    </mc:Choice>
+    <mc:Fallback>
+      <p:transition spd="slow"/>
+    </mc:Fallback>
+  </mc:AlternateContent>
+  <p:timing>
+    <p:tnLst>
+      <p:par>
+        <p:cTn id="1" dur="indefinite" restart="never" nodeType="tmRoot"/>
+      </p:par>
+    </p:tnLst>
+  </p:timing>
 </p:sld>
 </file>
 
@@ -6123,7 +6138,6 @@
               <a:rPr lang="en-US" dirty="0"/>
               <a:t>Services (Server Instances)</a:t>
             </a:r>
-            <a:endParaRPr lang="en-US" dirty="0"/>
           </a:p>
         </p:txBody>
       </p:sp>
@@ -6468,28 +6482,16 @@
             </a:r>
             <a:r>
               <a:rPr lang="en-US" sz="1600" dirty="0" smtClean="0"/>
-              <a:t> </a:t>
-            </a:r>
+              <a:t> {</a:t>
+            </a:r>
+          </a:p>
+          <a:p>
+            <a:pPr marL="0" indent="0">
+              <a:buNone/>
+            </a:pPr>
             <a:r>
               <a:rPr lang="en-US" sz="1600" dirty="0" smtClean="0"/>
-              <a:t>{</a:t>
-            </a:r>
-          </a:p>
-          <a:p>
-            <a:pPr marL="0" indent="0">
-              <a:buNone/>
-            </a:pPr>
-            <a:r>
-              <a:rPr lang="en-US" sz="1600" dirty="0" smtClean="0"/>
-              <a:t>	</a:t>
-            </a:r>
-            <a:r>
-              <a:rPr lang="en-US" sz="1600" dirty="0" smtClean="0"/>
-              <a:t>get “/</a:t>
-            </a:r>
-            <a:r>
-              <a:rPr lang="en-US" sz="1600" dirty="0" smtClean="0"/>
-              <a:t>secured/:id/:</a:t>
+              <a:t>	get “/secured/:id/:</a:t>
             </a:r>
             <a:r>
               <a:rPr lang="en-US" sz="1600" dirty="0" err="1" smtClean="0"/>
@@ -6497,11 +6499,7 @@
             </a:r>
             <a:r>
               <a:rPr lang="en-US" sz="1600" dirty="0" smtClean="0"/>
-              <a:t>”, {</a:t>
-            </a:r>
-            <a:r>
-              <a:rPr lang="en-US" sz="1600" dirty="0" smtClean="0"/>
-              <a:t>id, </a:t>
+              <a:t>”, {id, </a:t>
             </a:r>
             <a:r>
               <a:rPr lang="en-US" sz="1600" dirty="0" err="1" smtClean="0"/>
@@ -6527,11 +6525,7 @@
             </a:pPr>
             <a:r>
               <a:rPr lang="en-US" sz="1600" dirty="0" smtClean="0"/>
-              <a:t>before </a:t>
-            </a:r>
-            <a:r>
-              <a:rPr lang="en-US" sz="1600" dirty="0" smtClean="0"/>
-              <a:t>‘</a:t>
+              <a:t>before ‘</a:t>
             </a:r>
             <a:r>
               <a:rPr lang="en-US" sz="1600" dirty="0" err="1" smtClean="0"/>
@@ -6547,11 +6541,7 @@
             </a:r>
             <a:r>
               <a:rPr lang="en-US" sz="1600" dirty="0" smtClean="0"/>
-              <a:t>5</a:t>
-            </a:r>
-            <a:r>
-              <a:rPr lang="en-US" sz="1600" dirty="0" smtClean="0"/>
-              <a:t>, </a:t>
+              <a:t>5, </a:t>
             </a:r>
             <a:r>
               <a:rPr lang="en-US" sz="1600" dirty="0" err="1" smtClean="0"/>
@@ -6912,7 +6902,6 @@
               <a:rPr lang="en-US" dirty="0"/>
               <a:t>, byte[] data )</a:t>
             </a:r>
-            <a:endParaRPr lang="en-US" dirty="0"/>
           </a:p>
           <a:p>
             <a:pPr marL="0" indent="0">
@@ -7092,6 +7081,13 @@
   <p:clrMapOvr>
     <a:masterClrMapping/>
   </p:clrMapOvr>
+  <p:timing>
+    <p:tnLst>
+      <p:par>
+        <p:cTn id="1" dur="indefinite" restart="never" nodeType="tmRoot"/>
+      </p:par>
+    </p:tnLst>
+  </p:timing>
 </p:sld>
 </file>
 
@@ -7161,37 +7157,13 @@
           <a:p>
             <a:r>
               <a:rPr lang="en-US" dirty="0" smtClean="0"/>
-              <a:t>You may define a conversion function to convert input to </a:t>
-            </a:r>
-            <a:r>
-              <a:rPr lang="en-US" dirty="0" smtClean="0"/>
-              <a:t>PUT </a:t>
-            </a:r>
-            <a:r>
-              <a:rPr lang="en-US" dirty="0" smtClean="0"/>
-              <a:t>or  POST </a:t>
-            </a:r>
-            <a:r>
-              <a:rPr lang="en-US" dirty="0" smtClean="0"/>
-              <a:t>requests.  </a:t>
-            </a:r>
-          </a:p>
-          <a:p>
-            <a:r>
-              <a:rPr lang="en-US" dirty="0" smtClean="0"/>
-              <a:t>If a conversion is found for </a:t>
-            </a:r>
-            <a:r>
-              <a:rPr lang="en-US" dirty="0" smtClean="0"/>
-              <a:t>the declared </a:t>
-            </a:r>
-            <a:r>
-              <a:rPr lang="en-US" dirty="0" smtClean="0"/>
-              <a:t>type, </a:t>
-            </a:r>
-            <a:r>
-              <a:rPr lang="en-US" dirty="0" smtClean="0"/>
-              <a:t>it will be used to convert the value. </a:t>
+              <a:t>You may define a conversion function to convert input to PUT or  POST requests.  </a:t>
+            </a:r>
+          </a:p>
+          <a:p>
+            <a:r>
+              <a:rPr lang="en-US" dirty="0" smtClean="0"/>
+              <a:t>If a conversion is found for the declared type, it will be used to convert the value. </a:t>
             </a:r>
           </a:p>
           <a:p>
@@ -7271,11 +7243,7 @@
             </a:r>
             <a:r>
               <a:rPr lang="en-US" dirty="0" smtClean="0"/>
-              <a:t>/’, </a:t>
-            </a:r>
-            <a:r>
-              <a:rPr lang="en-US" dirty="0" smtClean="0"/>
-              <a:t>{ Transaction </a:t>
+              <a:t>/’, { Transaction </a:t>
             </a:r>
             <a:r>
               <a:rPr lang="en-US" dirty="0"/>
@@ -7330,11 +7298,7 @@
             </a:r>
             <a:r>
               <a:rPr lang="en-US" dirty="0" smtClean="0"/>
-              <a:t> </a:t>
-            </a:r>
-            <a:r>
-              <a:rPr lang="en-US" dirty="0" smtClean="0"/>
-              <a:t> </a:t>
+              <a:t>  </a:t>
             </a:r>
             <a:r>
               <a:rPr lang="en-US" dirty="0" err="1" smtClean="0"/>
@@ -7387,6 +7351,13 @@
   <p:clrMapOvr>
     <a:masterClrMapping/>
   </p:clrMapOvr>
+  <p:timing>
+    <p:tnLst>
+      <p:par>
+        <p:cTn id="1" dur="indefinite" restart="never" nodeType="tmRoot"/>
+      </p:par>
+    </p:tnLst>
+  </p:timing>
 </p:sld>
 </file>
 
@@ -7705,6 +7676,13 @@
   <p:clrMapOvr>
     <a:masterClrMapping/>
   </p:clrMapOvr>
+  <p:timing>
+    <p:tnLst>
+      <p:par>
+        <p:cTn id="1" dur="indefinite" restart="never" nodeType="tmRoot"/>
+      </p:par>
+    </p:tnLst>
+  </p:timing>
 </p:sld>
 </file>
 
@@ -7960,11 +7938,7 @@
             </a:r>
             <a:r>
               <a:rPr lang="en-US" sz="1400" dirty="0" smtClean="0"/>
-              <a:t>’, { </a:t>
-            </a:r>
-            <a:r>
-              <a:rPr lang="en-US" sz="1400" dirty="0" smtClean="0"/>
-              <a:t>id -&gt;</a:t>
+              <a:t>’, { id -&gt;</a:t>
             </a:r>
           </a:p>
           <a:p>
@@ -8030,11 +8004,7 @@
             </a:r>
             <a:r>
               <a:rPr lang="en-US" sz="1400" dirty="0" smtClean="0"/>
-              <a:t>’,  { </a:t>
-            </a:r>
-            <a:r>
-              <a:rPr lang="en-US" sz="1400" dirty="0" smtClean="0"/>
-              <a:t>id -&gt;</a:t>
+              <a:t>’,  { id -&gt;</a:t>
             </a:r>
           </a:p>
           <a:p>
@@ -8098,11 +8068,7 @@
             </a:r>
             <a:r>
               <a:rPr lang="en-US" sz="1400" dirty="0" smtClean="0"/>
-              <a:t>“, { </a:t>
-            </a:r>
-            <a:r>
-              <a:rPr lang="en-US" sz="1400" dirty="0" smtClean="0"/>
-              <a:t>username, password, </a:t>
+              <a:t>“, { username, password, </a:t>
             </a:r>
             <a:r>
               <a:rPr lang="en-US" sz="1400" dirty="0" err="1" smtClean="0"/>
@@ -9589,23 +9555,7 @@
             </a:pPr>
             <a:r>
               <a:rPr lang="en-US" dirty="0" smtClean="0"/>
-              <a:t>	post </a:t>
-            </a:r>
-            <a:r>
-              <a:rPr lang="en-US" dirty="0" smtClean="0"/>
-              <a:t> “/:</a:t>
-            </a:r>
-            <a:r>
-              <a:rPr lang="en-US" dirty="0" smtClean="0"/>
-              <a:t>id</a:t>
-            </a:r>
-            <a:r>
-              <a:rPr lang="en-US" dirty="0" smtClean="0"/>
-              <a:t>” , </a:t>
-            </a:r>
-            <a:r>
-              <a:rPr lang="en-US" dirty="0" smtClean="0"/>
-              <a:t>{ instream, id -&gt;</a:t>
+              <a:t>	post  “/:id” , { instream, id -&gt;</a:t>
             </a:r>
           </a:p>
           <a:p>
@@ -9626,11 +9576,7 @@
             </a:r>
             <a:r>
               <a:rPr lang="en-US" dirty="0" smtClean="0"/>
-              <a:t>( instream</a:t>
-            </a:r>
-            <a:r>
-              <a:rPr lang="en-US" dirty="0" smtClean="0"/>
-              <a:t>)</a:t>
+              <a:t>( instream)</a:t>
             </a:r>
           </a:p>
           <a:p>
@@ -9670,7 +9616,6 @@
               <a:rPr lang="en-US" dirty="0" smtClean="0"/>
               <a:t> response </a:t>
             </a:r>
-            <a:endParaRPr lang="en-US" dirty="0" smtClean="0"/>
           </a:p>
           <a:p>
             <a:pPr marL="0" indent="0">
@@ -9710,11 +9655,7 @@
             </a:pPr>
             <a:r>
               <a:rPr lang="en-US" dirty="0" smtClean="0"/>
-              <a:t>	</a:t>
-            </a:r>
-            <a:r>
-              <a:rPr lang="en-US" dirty="0" smtClean="0"/>
-              <a:t>plugin  “</a:t>
+              <a:t>	plugin  “</a:t>
             </a:r>
             <a:r>
               <a:rPr lang="en-US" dirty="0" err="1" smtClean="0"/>
@@ -9748,17 +9689,8 @@
             </a:r>
             <a:r>
               <a:rPr lang="en-US" dirty="0" smtClean="0"/>
-              <a:t>  “/</a:t>
-            </a:r>
-            <a:r>
-              <a:rPr lang="en-US" dirty="0" smtClean="0"/>
-              <a:t>public</a:t>
-            </a:r>
-            <a:r>
-              <a:rPr lang="en-US" dirty="0" smtClean="0"/>
-              <a:t>” </a:t>
-            </a:r>
-            <a:endParaRPr lang="en-US" dirty="0" smtClean="0"/>
+              <a:t>  “/public” </a:t>
+            </a:r>
           </a:p>
           <a:p>
             <a:pPr marL="0" indent="0">
@@ -10384,23 +10316,7 @@
             <a:pPr lvl="1"/>
             <a:r>
               <a:rPr lang="en-US" dirty="0" smtClean="0"/>
-              <a:t>get </a:t>
-            </a:r>
-            <a:r>
-              <a:rPr lang="en-US" dirty="0" smtClean="0"/>
-              <a:t>“/</a:t>
-            </a:r>
-            <a:r>
-              <a:rPr lang="en-US" dirty="0" smtClean="0"/>
-              <a:t>inventory/:id</a:t>
-            </a:r>
-            <a:r>
-              <a:rPr lang="en-US" dirty="0" smtClean="0"/>
-              <a:t>”, { </a:t>
-            </a:r>
-            <a:r>
-              <a:rPr lang="en-US" dirty="0" smtClean="0"/>
-              <a:t>id -&gt;</a:t>
+              <a:t>get “/inventory/:id”, { id -&gt;</a:t>
             </a:r>
           </a:p>
           <a:p>
@@ -10540,23 +10456,7 @@
             </a:pPr>
             <a:r>
               <a:rPr lang="en-US" dirty="0" smtClean="0"/>
-              <a:t>    get </a:t>
-            </a:r>
-            <a:r>
-              <a:rPr lang="en-US" dirty="0" smtClean="0"/>
-              <a:t>“/:</a:t>
-            </a:r>
-            <a:r>
-              <a:rPr lang="en-US" dirty="0" smtClean="0"/>
-              <a:t>id</a:t>
-            </a:r>
-            <a:r>
-              <a:rPr lang="en-US" dirty="0" smtClean="0"/>
-              <a:t>”, { </a:t>
-            </a:r>
-            <a:r>
-              <a:rPr lang="en-US" dirty="0" smtClean="0"/>
-              <a:t>id -&gt; /// get a particular inventory item</a:t>
+              <a:t>    get “/:id”, { id -&gt; /// get a particular inventory item</a:t>
             </a:r>
           </a:p>
           <a:p>
@@ -10587,19 +10487,7 @@
             </a:pPr>
             <a:r>
               <a:rPr lang="en-US" dirty="0" smtClean="0"/>
-              <a:t>    </a:t>
-            </a:r>
-            <a:r>
-              <a:rPr lang="en-US" dirty="0" smtClean="0"/>
-              <a:t>put ‘/:</a:t>
-            </a:r>
-            <a:r>
-              <a:rPr lang="en-US" dirty="0" smtClean="0"/>
-              <a:t>id</a:t>
-            </a:r>
-            <a:r>
-              <a:rPr lang="en-US" dirty="0" smtClean="0"/>
-              <a:t>’,{ </a:t>
+              <a:t>    put ‘/:id’,{ </a:t>
             </a:r>
             <a:r>
               <a:rPr lang="en-US" dirty="0" err="1" smtClean="0"/>
